--- a/common/img/AppLogos.pptx
+++ b/common/img/AppLogos.pptx
@@ -272,7 +272,7 @@
           <a:p>
             <a:fld id="{4967892D-CE2D-495A-A9CA-7CB88C831AAA}" type="datetimeFigureOut">
               <a:rPr lang="en-IN" smtClean="0"/>
-              <a:t>12-02-2024</a:t>
+              <a:t>05-03-2024</a:t>
             </a:fld>
             <a:endParaRPr lang="en-IN"/>
           </a:p>
@@ -472,7 +472,7 @@
           <a:p>
             <a:fld id="{4967892D-CE2D-495A-A9CA-7CB88C831AAA}" type="datetimeFigureOut">
               <a:rPr lang="en-IN" smtClean="0"/>
-              <a:t>12-02-2024</a:t>
+              <a:t>05-03-2024</a:t>
             </a:fld>
             <a:endParaRPr lang="en-IN"/>
           </a:p>
@@ -682,7 +682,7 @@
           <a:p>
             <a:fld id="{4967892D-CE2D-495A-A9CA-7CB88C831AAA}" type="datetimeFigureOut">
               <a:rPr lang="en-IN" smtClean="0"/>
-              <a:t>12-02-2024</a:t>
+              <a:t>05-03-2024</a:t>
             </a:fld>
             <a:endParaRPr lang="en-IN"/>
           </a:p>
@@ -882,7 +882,7 @@
           <a:p>
             <a:fld id="{4967892D-CE2D-495A-A9CA-7CB88C831AAA}" type="datetimeFigureOut">
               <a:rPr lang="en-IN" smtClean="0"/>
-              <a:t>12-02-2024</a:t>
+              <a:t>05-03-2024</a:t>
             </a:fld>
             <a:endParaRPr lang="en-IN"/>
           </a:p>
@@ -1158,7 +1158,7 @@
           <a:p>
             <a:fld id="{4967892D-CE2D-495A-A9CA-7CB88C831AAA}" type="datetimeFigureOut">
               <a:rPr lang="en-IN" smtClean="0"/>
-              <a:t>12-02-2024</a:t>
+              <a:t>05-03-2024</a:t>
             </a:fld>
             <a:endParaRPr lang="en-IN"/>
           </a:p>
@@ -1426,7 +1426,7 @@
           <a:p>
             <a:fld id="{4967892D-CE2D-495A-A9CA-7CB88C831AAA}" type="datetimeFigureOut">
               <a:rPr lang="en-IN" smtClean="0"/>
-              <a:t>12-02-2024</a:t>
+              <a:t>05-03-2024</a:t>
             </a:fld>
             <a:endParaRPr lang="en-IN"/>
           </a:p>
@@ -1841,7 +1841,7 @@
           <a:p>
             <a:fld id="{4967892D-CE2D-495A-A9CA-7CB88C831AAA}" type="datetimeFigureOut">
               <a:rPr lang="en-IN" smtClean="0"/>
-              <a:t>12-02-2024</a:t>
+              <a:t>05-03-2024</a:t>
             </a:fld>
             <a:endParaRPr lang="en-IN"/>
           </a:p>
@@ -1983,7 +1983,7 @@
           <a:p>
             <a:fld id="{4967892D-CE2D-495A-A9CA-7CB88C831AAA}" type="datetimeFigureOut">
               <a:rPr lang="en-IN" smtClean="0"/>
-              <a:t>12-02-2024</a:t>
+              <a:t>05-03-2024</a:t>
             </a:fld>
             <a:endParaRPr lang="en-IN"/>
           </a:p>
@@ -2096,7 +2096,7 @@
           <a:p>
             <a:fld id="{4967892D-CE2D-495A-A9CA-7CB88C831AAA}" type="datetimeFigureOut">
               <a:rPr lang="en-IN" smtClean="0"/>
-              <a:t>12-02-2024</a:t>
+              <a:t>05-03-2024</a:t>
             </a:fld>
             <a:endParaRPr lang="en-IN"/>
           </a:p>
@@ -2409,7 +2409,7 @@
           <a:p>
             <a:fld id="{4967892D-CE2D-495A-A9CA-7CB88C831AAA}" type="datetimeFigureOut">
               <a:rPr lang="en-IN" smtClean="0"/>
-              <a:t>12-02-2024</a:t>
+              <a:t>05-03-2024</a:t>
             </a:fld>
             <a:endParaRPr lang="en-IN"/>
           </a:p>
@@ -2698,7 +2698,7 @@
           <a:p>
             <a:fld id="{4967892D-CE2D-495A-A9CA-7CB88C831AAA}" type="datetimeFigureOut">
               <a:rPr lang="en-IN" smtClean="0"/>
-              <a:t>12-02-2024</a:t>
+              <a:t>05-03-2024</a:t>
             </a:fld>
             <a:endParaRPr lang="en-IN"/>
           </a:p>
@@ -2941,7 +2941,7 @@
           <a:p>
             <a:fld id="{4967892D-CE2D-495A-A9CA-7CB88C831AAA}" type="datetimeFigureOut">
               <a:rPr lang="en-IN" smtClean="0"/>
-              <a:t>12-02-2024</a:t>
+              <a:t>05-03-2024</a:t>
             </a:fld>
             <a:endParaRPr lang="en-IN"/>
           </a:p>
@@ -3360,10 +3360,10 @@
       </p:grpSpPr>
       <p:grpSp>
         <p:nvGrpSpPr>
-          <p:cNvPr id="3" name="Group 2">
+          <p:cNvPr id="22" name="Group 21">
             <a:extLst>
               <a:ext uri="{FF2B5EF4-FFF2-40B4-BE49-F238E27FC236}">
-                <a16:creationId xmlns:a16="http://schemas.microsoft.com/office/drawing/2014/main" id="{696839B0-BB79-27FB-F315-4DE491BC8505}"/>
+                <a16:creationId xmlns:a16="http://schemas.microsoft.com/office/drawing/2014/main" id="{A8E7D795-411D-069B-3D84-734C09C79817}"/>
               </a:ext>
             </a:extLst>
           </p:cNvPr>
@@ -3372,10 +3372,10 @@
         </p:nvGrpSpPr>
         <p:grpSpPr>
           <a:xfrm>
-            <a:off x="2873255" y="739825"/>
-            <a:ext cx="5867523" cy="1872000"/>
-            <a:chOff x="4523198" y="316616"/>
-            <a:chExt cx="5867523" cy="1872000"/>
+            <a:off x="2873254" y="739825"/>
+            <a:ext cx="5442609" cy="1872000"/>
+            <a:chOff x="2873254" y="739825"/>
+            <a:chExt cx="5442609" cy="1872000"/>
           </a:xfrm>
         </p:grpSpPr>
         <p:pic>
@@ -3413,8 +3413,8 @@
           </p:blipFill>
           <p:spPr>
             <a:xfrm>
-              <a:off x="4523198" y="418091"/>
-              <a:ext cx="2307568" cy="1678232"/>
+              <a:off x="2873254" y="841300"/>
+              <a:ext cx="2333457" cy="1678232"/>
             </a:xfrm>
             <a:prstGeom prst="rect">
               <a:avLst/>
@@ -3423,10 +3423,10 @@
         </p:pic>
         <p:sp>
           <p:nvSpPr>
-            <p:cNvPr id="5" name="Rectangle: Rounded Corners 4">
+            <p:cNvPr id="7" name="Rectangle: Rounded Corners 6">
               <a:extLst>
                 <a:ext uri="{FF2B5EF4-FFF2-40B4-BE49-F238E27FC236}">
-                  <a16:creationId xmlns:a16="http://schemas.microsoft.com/office/drawing/2014/main" id="{C33C02C4-2778-061C-14DD-F538AEED7794}"/>
+                  <a16:creationId xmlns:a16="http://schemas.microsoft.com/office/drawing/2014/main" id="{23C8A73A-B668-CB82-B50F-A40069A4C5D6}"/>
                 </a:ext>
               </a:extLst>
             </p:cNvPr>
@@ -3434,9 +3434,9 @@
             <p:nvPr/>
           </p:nvSpPr>
           <p:spPr>
-            <a:xfrm rot="5400000">
-              <a:off x="7933028" y="-782077"/>
-              <a:ext cx="846000" cy="4069386"/>
+            <a:xfrm>
+              <a:off x="5210319" y="739825"/>
+              <a:ext cx="855491" cy="1872000"/>
             </a:xfrm>
             <a:prstGeom prst="roundRect">
               <a:avLst>
@@ -3475,12 +3475,198 @@
             </a:p>
           </p:txBody>
         </p:sp>
+        <p:grpSp>
+          <p:nvGrpSpPr>
+            <p:cNvPr id="2" name="Group 1">
+              <a:extLst>
+                <a:ext uri="{FF2B5EF4-FFF2-40B4-BE49-F238E27FC236}">
+                  <a16:creationId xmlns:a16="http://schemas.microsoft.com/office/drawing/2014/main" id="{C33E6738-6818-66F8-D2E1-D27419310ABA}"/>
+                </a:ext>
+              </a:extLst>
+            </p:cNvPr>
+            <p:cNvGrpSpPr/>
+            <p:nvPr/>
+          </p:nvGrpSpPr>
+          <p:grpSpPr>
+            <a:xfrm>
+              <a:off x="4691564" y="1241652"/>
+              <a:ext cx="3624299" cy="857173"/>
+              <a:chOff x="4691564" y="1241652"/>
+              <a:chExt cx="3624299" cy="857173"/>
+            </a:xfrm>
+          </p:grpSpPr>
+          <p:sp>
+            <p:nvSpPr>
+              <p:cNvPr id="5" name="Rectangle: Rounded Corners 4">
+                <a:extLst>
+                  <a:ext uri="{FF2B5EF4-FFF2-40B4-BE49-F238E27FC236}">
+                    <a16:creationId xmlns:a16="http://schemas.microsoft.com/office/drawing/2014/main" id="{C33C02C4-2778-061C-14DD-F538AEED7794}"/>
+                  </a:ext>
+                </a:extLst>
+              </p:cNvPr>
+              <p:cNvSpPr/>
+              <p:nvPr/>
+            </p:nvSpPr>
+            <p:spPr>
+              <a:xfrm rot="5400000">
+                <a:off x="6080714" y="-136325"/>
+                <a:ext cx="846000" cy="3624299"/>
+              </a:xfrm>
+              <a:prstGeom prst="roundRect">
+                <a:avLst>
+                  <a:gd name="adj" fmla="val 3202"/>
+                </a:avLst>
+              </a:prstGeom>
+              <a:solidFill>
+                <a:srgbClr val="0EF258"/>
+              </a:solidFill>
+              <a:ln>
+                <a:noFill/>
+              </a:ln>
+            </p:spPr>
+            <p:style>
+              <a:lnRef idx="2">
+                <a:schemeClr val="accent1">
+                  <a:shade val="15000"/>
+                </a:schemeClr>
+              </a:lnRef>
+              <a:fillRef idx="1">
+                <a:schemeClr val="accent1"/>
+              </a:fillRef>
+              <a:effectRef idx="0">
+                <a:schemeClr val="accent1"/>
+              </a:effectRef>
+              <a:fontRef idx="minor">
+                <a:schemeClr val="lt1"/>
+              </a:fontRef>
+            </p:style>
+            <p:txBody>
+              <a:bodyPr rtlCol="0" anchor="ctr"/>
+              <a:lstStyle/>
+              <a:p>
+                <a:pPr algn="ctr"/>
+                <a:endParaRPr lang="en-IN" dirty="0"/>
+              </a:p>
+            </p:txBody>
+          </p:sp>
+          <p:sp>
+            <p:nvSpPr>
+              <p:cNvPr id="9" name="TextBox 8">
+                <a:extLst>
+                  <a:ext uri="{FF2B5EF4-FFF2-40B4-BE49-F238E27FC236}">
+                    <a16:creationId xmlns:a16="http://schemas.microsoft.com/office/drawing/2014/main" id="{933707C8-C4BB-6C8E-F4AE-A27F4374DE61}"/>
+                  </a:ext>
+                </a:extLst>
+              </p:cNvPr>
+              <p:cNvSpPr txBox="1"/>
+              <p:nvPr/>
+            </p:nvSpPr>
+            <p:spPr>
+              <a:xfrm>
+                <a:off x="4691564" y="1241652"/>
+                <a:ext cx="3624299" cy="830997"/>
+              </a:xfrm>
+              <a:prstGeom prst="rect">
+                <a:avLst/>
+              </a:prstGeom>
+              <a:noFill/>
+            </p:spPr>
+            <p:txBody>
+              <a:bodyPr wrap="square" rtlCol="0">
+                <a:spAutoFit/>
+              </a:bodyPr>
+              <a:lstStyle/>
+              <a:p>
+                <a:pPr algn="ctr"/>
+                <a:r>
+                  <a:rPr lang="en-US" sz="4800" dirty="0" err="1">
+                    <a:solidFill>
+                      <a:srgbClr val="51555B"/>
+                    </a:solidFill>
+                    <a:latin typeface="Xbka" pitchFamily="50" charset="0"/>
+                  </a:rPr>
+                  <a:t>TekMedika</a:t>
+                </a:r>
+                <a:endParaRPr lang="en-IN" sz="4000" dirty="0">
+                  <a:solidFill>
+                    <a:srgbClr val="51555B"/>
+                  </a:solidFill>
+                  <a:latin typeface="Xbka" pitchFamily="50" charset="0"/>
+                </a:endParaRPr>
+              </a:p>
+            </p:txBody>
+          </p:sp>
+        </p:grpSp>
+      </p:grpSp>
+      <p:grpSp>
+        <p:nvGrpSpPr>
+          <p:cNvPr id="21" name="Group 20">
+            <a:extLst>
+              <a:ext uri="{FF2B5EF4-FFF2-40B4-BE49-F238E27FC236}">
+                <a16:creationId xmlns:a16="http://schemas.microsoft.com/office/drawing/2014/main" id="{3C16B48D-C7DF-83EE-630C-846A39D0C03B}"/>
+              </a:ext>
+            </a:extLst>
+          </p:cNvPr>
+          <p:cNvGrpSpPr/>
+          <p:nvPr/>
+        </p:nvGrpSpPr>
+        <p:grpSpPr>
+          <a:xfrm>
+            <a:off x="2873255" y="3429000"/>
+            <a:ext cx="6309566" cy="2809565"/>
+            <a:chOff x="2873255" y="3429000"/>
+            <a:chExt cx="6309566" cy="2809565"/>
+          </a:xfrm>
+        </p:grpSpPr>
+        <p:pic>
+          <p:nvPicPr>
+            <p:cNvPr id="17" name="Picture 16">
+              <a:extLst>
+                <a:ext uri="{FF2B5EF4-FFF2-40B4-BE49-F238E27FC236}">
+                  <a16:creationId xmlns:a16="http://schemas.microsoft.com/office/drawing/2014/main" id="{CE765AC1-1ECC-EE80-F922-B0FB9D326AAE}"/>
+                </a:ext>
+              </a:extLst>
+            </p:cNvPr>
+            <p:cNvPicPr>
+              <a:picLocks noChangeAspect="1"/>
+            </p:cNvPicPr>
+            <p:nvPr/>
+          </p:nvPicPr>
+          <p:blipFill>
+            <a:blip r:embed="rId2">
+              <a:duotone>
+                <a:prstClr val="black"/>
+                <a:schemeClr val="tx2">
+                  <a:tint val="45000"/>
+                  <a:satMod val="400000"/>
+                </a:schemeClr>
+              </a:duotone>
+              <a:extLst>
+                <a:ext uri="{28A0092B-C50C-407E-A947-70E740481C1C}">
+                  <a14:useLocalDpi xmlns:a14="http://schemas.microsoft.com/office/drawing/2010/main" val="0"/>
+                </a:ext>
+              </a:extLst>
+            </a:blip>
+            <a:stretch>
+              <a:fillRect/>
+            </a:stretch>
+          </p:blipFill>
+          <p:spPr>
+            <a:xfrm>
+              <a:off x="3002651" y="4468040"/>
+              <a:ext cx="2307568" cy="1678232"/>
+            </a:xfrm>
+            <a:prstGeom prst="rect">
+              <a:avLst/>
+            </a:prstGeom>
+          </p:spPr>
+        </p:pic>
         <p:sp>
           <p:nvSpPr>
-            <p:cNvPr id="7" name="Rectangle: Rounded Corners 6">
+            <p:cNvPr id="19" name="Rectangle: Rounded Corners 18">
               <a:extLst>
                 <a:ext uri="{FF2B5EF4-FFF2-40B4-BE49-F238E27FC236}">
-                  <a16:creationId xmlns:a16="http://schemas.microsoft.com/office/drawing/2014/main" id="{23C8A73A-B668-CB82-B50F-A40069A4C5D6}"/>
+                  <a16:creationId xmlns:a16="http://schemas.microsoft.com/office/drawing/2014/main" id="{97BE0542-7DB7-1266-C876-7B8F3EA447C5}"/>
                 </a:ext>
               </a:extLst>
             </p:cNvPr>
@@ -3489,7 +3675,7 @@
           </p:nvSpPr>
           <p:spPr>
             <a:xfrm>
-              <a:off x="6834334" y="316616"/>
+              <a:off x="5313787" y="4366565"/>
               <a:ext cx="846000" cy="1872000"/>
             </a:xfrm>
             <a:prstGeom prst="roundRect">
@@ -3531,291 +3717,6 @@
         </p:sp>
         <p:sp>
           <p:nvSpPr>
-            <p:cNvPr id="9" name="TextBox 8">
-              <a:extLst>
-                <a:ext uri="{FF2B5EF4-FFF2-40B4-BE49-F238E27FC236}">
-                  <a16:creationId xmlns:a16="http://schemas.microsoft.com/office/drawing/2014/main" id="{933707C8-C4BB-6C8E-F4AE-A27F4374DE61}"/>
-                </a:ext>
-              </a:extLst>
-            </p:cNvPr>
-            <p:cNvSpPr txBox="1"/>
-            <p:nvPr/>
-          </p:nvSpPr>
-          <p:spPr>
-            <a:xfrm>
-              <a:off x="6830766" y="818443"/>
-              <a:ext cx="3559955" cy="830997"/>
-            </a:xfrm>
-            <a:prstGeom prst="rect">
-              <a:avLst/>
-            </a:prstGeom>
-            <a:noFill/>
-          </p:spPr>
-          <p:txBody>
-            <a:bodyPr wrap="square" rtlCol="0">
-              <a:spAutoFit/>
-            </a:bodyPr>
-            <a:lstStyle/>
-            <a:p>
-              <a:r>
-                <a:rPr lang="en-US" sz="4800" dirty="0" err="1">
-                  <a:solidFill>
-                    <a:srgbClr val="51555B"/>
-                  </a:solidFill>
-                  <a:latin typeface="Xbka" pitchFamily="50" charset="0"/>
-                </a:rPr>
-                <a:t>TekMedika</a:t>
-              </a:r>
-              <a:endParaRPr lang="en-IN" sz="4000" dirty="0">
-                <a:solidFill>
-                  <a:srgbClr val="51555B"/>
-                </a:solidFill>
-                <a:latin typeface="Xbka" pitchFamily="50" charset="0"/>
-              </a:endParaRPr>
-            </a:p>
-          </p:txBody>
-        </p:sp>
-      </p:grpSp>
-      <p:grpSp>
-        <p:nvGrpSpPr>
-          <p:cNvPr id="14" name="Group 13">
-            <a:extLst>
-              <a:ext uri="{FF2B5EF4-FFF2-40B4-BE49-F238E27FC236}">
-                <a16:creationId xmlns:a16="http://schemas.microsoft.com/office/drawing/2014/main" id="{E031731F-F67F-3B3B-A1AF-BA6AF15EC2D8}"/>
-              </a:ext>
-            </a:extLst>
-          </p:cNvPr>
-          <p:cNvGrpSpPr/>
-          <p:nvPr/>
-        </p:nvGrpSpPr>
-        <p:grpSpPr>
-          <a:xfrm>
-            <a:off x="2873255" y="3429000"/>
-            <a:ext cx="6309566" cy="2809565"/>
-            <a:chOff x="3032842" y="3258062"/>
-            <a:chExt cx="6309566" cy="2809565"/>
-          </a:xfrm>
-        </p:grpSpPr>
-        <p:grpSp>
-          <p:nvGrpSpPr>
-            <p:cNvPr id="15" name="Group 14">
-              <a:extLst>
-                <a:ext uri="{FF2B5EF4-FFF2-40B4-BE49-F238E27FC236}">
-                  <a16:creationId xmlns:a16="http://schemas.microsoft.com/office/drawing/2014/main" id="{72BF3BC4-FC2F-456B-F4E3-26C6B5A9024E}"/>
-                </a:ext>
-              </a:extLst>
-            </p:cNvPr>
-            <p:cNvGrpSpPr/>
-            <p:nvPr/>
-          </p:nvGrpSpPr>
-          <p:grpSpPr>
-            <a:xfrm>
-              <a:off x="3162238" y="4195627"/>
-              <a:ext cx="5867523" cy="1872000"/>
-              <a:chOff x="4523198" y="316616"/>
-              <a:chExt cx="5867523" cy="1872000"/>
-            </a:xfrm>
-          </p:grpSpPr>
-          <p:pic>
-            <p:nvPicPr>
-              <p:cNvPr id="17" name="Picture 16">
-                <a:extLst>
-                  <a:ext uri="{FF2B5EF4-FFF2-40B4-BE49-F238E27FC236}">
-                    <a16:creationId xmlns:a16="http://schemas.microsoft.com/office/drawing/2014/main" id="{CE765AC1-1ECC-EE80-F922-B0FB9D326AAE}"/>
-                  </a:ext>
-                </a:extLst>
-              </p:cNvPr>
-              <p:cNvPicPr>
-                <a:picLocks noChangeAspect="1"/>
-              </p:cNvPicPr>
-              <p:nvPr/>
-            </p:nvPicPr>
-            <p:blipFill>
-              <a:blip r:embed="rId2">
-                <a:duotone>
-                  <a:prstClr val="black"/>
-                  <a:schemeClr val="tx2">
-                    <a:tint val="45000"/>
-                    <a:satMod val="400000"/>
-                  </a:schemeClr>
-                </a:duotone>
-                <a:extLst>
-                  <a:ext uri="{28A0092B-C50C-407E-A947-70E740481C1C}">
-                    <a14:useLocalDpi xmlns:a14="http://schemas.microsoft.com/office/drawing/2010/main" val="0"/>
-                  </a:ext>
-                </a:extLst>
-              </a:blip>
-              <a:stretch>
-                <a:fillRect/>
-              </a:stretch>
-            </p:blipFill>
-            <p:spPr>
-              <a:xfrm>
-                <a:off x="4523198" y="418091"/>
-                <a:ext cx="2307568" cy="1678232"/>
-              </a:xfrm>
-              <a:prstGeom prst="rect">
-                <a:avLst/>
-              </a:prstGeom>
-            </p:spPr>
-          </p:pic>
-          <p:sp>
-            <p:nvSpPr>
-              <p:cNvPr id="18" name="Rectangle: Rounded Corners 17">
-                <a:extLst>
-                  <a:ext uri="{FF2B5EF4-FFF2-40B4-BE49-F238E27FC236}">
-                    <a16:creationId xmlns:a16="http://schemas.microsoft.com/office/drawing/2014/main" id="{035CCEDE-25E9-68B9-EBDB-A0A6DC836B1A}"/>
-                  </a:ext>
-                </a:extLst>
-              </p:cNvPr>
-              <p:cNvSpPr/>
-              <p:nvPr/>
-            </p:nvSpPr>
-            <p:spPr>
-              <a:xfrm rot="5400000">
-                <a:off x="7933028" y="-782077"/>
-                <a:ext cx="846000" cy="4069386"/>
-              </a:xfrm>
-              <a:prstGeom prst="roundRect">
-                <a:avLst>
-                  <a:gd name="adj" fmla="val 3202"/>
-                </a:avLst>
-              </a:prstGeom>
-              <a:solidFill>
-                <a:srgbClr val="0EF258"/>
-              </a:solidFill>
-              <a:ln>
-                <a:noFill/>
-              </a:ln>
-            </p:spPr>
-            <p:style>
-              <a:lnRef idx="2">
-                <a:schemeClr val="accent1">
-                  <a:shade val="15000"/>
-                </a:schemeClr>
-              </a:lnRef>
-              <a:fillRef idx="1">
-                <a:schemeClr val="accent1"/>
-              </a:fillRef>
-              <a:effectRef idx="0">
-                <a:schemeClr val="accent1"/>
-              </a:effectRef>
-              <a:fontRef idx="minor">
-                <a:schemeClr val="lt1"/>
-              </a:fontRef>
-            </p:style>
-            <p:txBody>
-              <a:bodyPr rtlCol="0" anchor="ctr"/>
-              <a:lstStyle/>
-              <a:p>
-                <a:pPr algn="ctr"/>
-                <a:endParaRPr lang="en-IN" dirty="0"/>
-              </a:p>
-            </p:txBody>
-          </p:sp>
-          <p:sp>
-            <p:nvSpPr>
-              <p:cNvPr id="19" name="Rectangle: Rounded Corners 18">
-                <a:extLst>
-                  <a:ext uri="{FF2B5EF4-FFF2-40B4-BE49-F238E27FC236}">
-                    <a16:creationId xmlns:a16="http://schemas.microsoft.com/office/drawing/2014/main" id="{97BE0542-7DB7-1266-C876-7B8F3EA447C5}"/>
-                  </a:ext>
-                </a:extLst>
-              </p:cNvPr>
-              <p:cNvSpPr/>
-              <p:nvPr/>
-            </p:nvSpPr>
-            <p:spPr>
-              <a:xfrm>
-                <a:off x="6834334" y="316616"/>
-                <a:ext cx="846000" cy="1872000"/>
-              </a:xfrm>
-              <a:prstGeom prst="roundRect">
-                <a:avLst>
-                  <a:gd name="adj" fmla="val 3202"/>
-                </a:avLst>
-              </a:prstGeom>
-              <a:solidFill>
-                <a:srgbClr val="0EF258"/>
-              </a:solidFill>
-              <a:ln>
-                <a:noFill/>
-              </a:ln>
-            </p:spPr>
-            <p:style>
-              <a:lnRef idx="2">
-                <a:schemeClr val="accent1">
-                  <a:shade val="15000"/>
-                </a:schemeClr>
-              </a:lnRef>
-              <a:fillRef idx="1">
-                <a:schemeClr val="accent1"/>
-              </a:fillRef>
-              <a:effectRef idx="0">
-                <a:schemeClr val="accent1"/>
-              </a:effectRef>
-              <a:fontRef idx="minor">
-                <a:schemeClr val="lt1"/>
-              </a:fontRef>
-            </p:style>
-            <p:txBody>
-              <a:bodyPr rtlCol="0" anchor="ctr"/>
-              <a:lstStyle/>
-              <a:p>
-                <a:pPr algn="ctr"/>
-                <a:endParaRPr lang="en-IN" dirty="0"/>
-              </a:p>
-            </p:txBody>
-          </p:sp>
-          <p:sp>
-            <p:nvSpPr>
-              <p:cNvPr id="20" name="TextBox 19">
-                <a:extLst>
-                  <a:ext uri="{FF2B5EF4-FFF2-40B4-BE49-F238E27FC236}">
-                    <a16:creationId xmlns:a16="http://schemas.microsoft.com/office/drawing/2014/main" id="{5F084C36-99C9-7E68-DEF4-19C9C6F22606}"/>
-                  </a:ext>
-                </a:extLst>
-              </p:cNvPr>
-              <p:cNvSpPr txBox="1"/>
-              <p:nvPr/>
-            </p:nvSpPr>
-            <p:spPr>
-              <a:xfrm>
-                <a:off x="6830766" y="818443"/>
-                <a:ext cx="3559955" cy="830997"/>
-              </a:xfrm>
-              <a:prstGeom prst="rect">
-                <a:avLst/>
-              </a:prstGeom>
-              <a:noFill/>
-            </p:spPr>
-            <p:txBody>
-              <a:bodyPr wrap="square" rtlCol="0">
-                <a:spAutoFit/>
-              </a:bodyPr>
-              <a:lstStyle/>
-              <a:p>
-                <a:r>
-                  <a:rPr lang="en-US" sz="4800" dirty="0" err="1">
-                    <a:solidFill>
-                      <a:srgbClr val="51555B"/>
-                    </a:solidFill>
-                    <a:latin typeface="Xbka" pitchFamily="50" charset="0"/>
-                  </a:rPr>
-                  <a:t>TekMedika</a:t>
-                </a:r>
-                <a:endParaRPr lang="en-IN" sz="4000" dirty="0">
-                  <a:solidFill>
-                    <a:srgbClr val="51555B"/>
-                  </a:solidFill>
-                  <a:latin typeface="Xbka" pitchFamily="50" charset="0"/>
-                </a:endParaRPr>
-              </a:p>
-            </p:txBody>
-          </p:sp>
-        </p:grpSp>
-        <p:sp>
-          <p:nvSpPr>
             <p:cNvPr id="16" name="Rectangle 15">
               <a:extLst>
                 <a:ext uri="{FF2B5EF4-FFF2-40B4-BE49-F238E27FC236}">
@@ -3830,7 +3731,7 @@
           </p:nvSpPr>
           <p:spPr>
             <a:xfrm>
-              <a:off x="3032842" y="3258062"/>
+              <a:off x="2873255" y="3429000"/>
               <a:ext cx="6309566" cy="971053"/>
             </a:xfrm>
             <a:prstGeom prst="rect">
@@ -3913,6 +3814,128 @@
             </a:p>
           </p:txBody>
         </p:sp>
+        <p:grpSp>
+          <p:nvGrpSpPr>
+            <p:cNvPr id="11" name="Group 10">
+              <a:extLst>
+                <a:ext uri="{FF2B5EF4-FFF2-40B4-BE49-F238E27FC236}">
+                  <a16:creationId xmlns:a16="http://schemas.microsoft.com/office/drawing/2014/main" id="{37AEE6E5-313D-8427-5827-81542BBDF79C}"/>
+                </a:ext>
+              </a:extLst>
+            </p:cNvPr>
+            <p:cNvGrpSpPr/>
+            <p:nvPr/>
+          </p:nvGrpSpPr>
+          <p:grpSpPr>
+            <a:xfrm>
+              <a:off x="4792205" y="4873055"/>
+              <a:ext cx="3624299" cy="857173"/>
+              <a:chOff x="4691564" y="1241652"/>
+              <a:chExt cx="3624299" cy="857173"/>
+            </a:xfrm>
+          </p:grpSpPr>
+          <p:sp>
+            <p:nvSpPr>
+              <p:cNvPr id="12" name="Rectangle: Rounded Corners 11">
+                <a:extLst>
+                  <a:ext uri="{FF2B5EF4-FFF2-40B4-BE49-F238E27FC236}">
+                    <a16:creationId xmlns:a16="http://schemas.microsoft.com/office/drawing/2014/main" id="{8EF875F1-9E20-2F06-8BFD-C0216236EEE3}"/>
+                  </a:ext>
+                </a:extLst>
+              </p:cNvPr>
+              <p:cNvSpPr/>
+              <p:nvPr/>
+            </p:nvSpPr>
+            <p:spPr>
+              <a:xfrm rot="5400000">
+                <a:off x="6080714" y="-136325"/>
+                <a:ext cx="846000" cy="3624299"/>
+              </a:xfrm>
+              <a:prstGeom prst="roundRect">
+                <a:avLst>
+                  <a:gd name="adj" fmla="val 3202"/>
+                </a:avLst>
+              </a:prstGeom>
+              <a:solidFill>
+                <a:srgbClr val="0EF258"/>
+              </a:solidFill>
+              <a:ln>
+                <a:noFill/>
+              </a:ln>
+            </p:spPr>
+            <p:style>
+              <a:lnRef idx="2">
+                <a:schemeClr val="accent1">
+                  <a:shade val="15000"/>
+                </a:schemeClr>
+              </a:lnRef>
+              <a:fillRef idx="1">
+                <a:schemeClr val="accent1"/>
+              </a:fillRef>
+              <a:effectRef idx="0">
+                <a:schemeClr val="accent1"/>
+              </a:effectRef>
+              <a:fontRef idx="minor">
+                <a:schemeClr val="lt1"/>
+              </a:fontRef>
+            </p:style>
+            <p:txBody>
+              <a:bodyPr rtlCol="0" anchor="ctr"/>
+              <a:lstStyle/>
+              <a:p>
+                <a:pPr algn="ctr"/>
+                <a:endParaRPr lang="en-IN" dirty="0"/>
+              </a:p>
+            </p:txBody>
+          </p:sp>
+          <p:sp>
+            <p:nvSpPr>
+              <p:cNvPr id="13" name="TextBox 12">
+                <a:extLst>
+                  <a:ext uri="{FF2B5EF4-FFF2-40B4-BE49-F238E27FC236}">
+                    <a16:creationId xmlns:a16="http://schemas.microsoft.com/office/drawing/2014/main" id="{BEFE1391-30E4-2CA4-64C3-36BA62094399}"/>
+                  </a:ext>
+                </a:extLst>
+              </p:cNvPr>
+              <p:cNvSpPr txBox="1"/>
+              <p:nvPr/>
+            </p:nvSpPr>
+            <p:spPr>
+              <a:xfrm>
+                <a:off x="4691564" y="1241652"/>
+                <a:ext cx="3624299" cy="830997"/>
+              </a:xfrm>
+              <a:prstGeom prst="rect">
+                <a:avLst/>
+              </a:prstGeom>
+              <a:noFill/>
+            </p:spPr>
+            <p:txBody>
+              <a:bodyPr wrap="square" rtlCol="0">
+                <a:spAutoFit/>
+              </a:bodyPr>
+              <a:lstStyle/>
+              <a:p>
+                <a:pPr algn="ctr"/>
+                <a:r>
+                  <a:rPr lang="en-US" sz="4800" dirty="0" err="1">
+                    <a:solidFill>
+                      <a:srgbClr val="51555B"/>
+                    </a:solidFill>
+                    <a:latin typeface="Xbka" pitchFamily="50" charset="0"/>
+                  </a:rPr>
+                  <a:t>TekMedika</a:t>
+                </a:r>
+                <a:endParaRPr lang="en-IN" sz="4000" dirty="0">
+                  <a:solidFill>
+                    <a:srgbClr val="51555B"/>
+                  </a:solidFill>
+                  <a:latin typeface="Xbka" pitchFamily="50" charset="0"/>
+                </a:endParaRPr>
+              </a:p>
+            </p:txBody>
+          </p:sp>
+        </p:grpSp>
       </p:grpSp>
     </p:spTree>
     <p:extLst>
@@ -6177,10 +6200,10 @@
       </p:grpSpPr>
       <p:grpSp>
         <p:nvGrpSpPr>
-          <p:cNvPr id="12" name="Group 11">
+          <p:cNvPr id="11" name="Group 10">
             <a:extLst>
               <a:ext uri="{FF2B5EF4-FFF2-40B4-BE49-F238E27FC236}">
-                <a16:creationId xmlns:a16="http://schemas.microsoft.com/office/drawing/2014/main" id="{9137F996-B1C0-BE80-2585-893D22B84E84}"/>
+                <a16:creationId xmlns:a16="http://schemas.microsoft.com/office/drawing/2014/main" id="{C9F4F669-233D-0963-A291-10A5E37AD6D2}"/>
               </a:ext>
             </a:extLst>
           </p:cNvPr>
@@ -6190,9 +6213,9 @@
         <p:grpSpPr>
           <a:xfrm>
             <a:off x="1827519" y="930669"/>
-            <a:ext cx="8536962" cy="1872000"/>
-            <a:chOff x="1853759" y="316616"/>
-            <a:chExt cx="8536962" cy="1872000"/>
+            <a:ext cx="8084231" cy="1872000"/>
+            <a:chOff x="1827519" y="930669"/>
+            <a:chExt cx="8084231" cy="1872000"/>
           </a:xfrm>
         </p:grpSpPr>
         <p:sp>
@@ -6211,7 +6234,7 @@
           </p:nvSpPr>
           <p:spPr>
             <a:xfrm>
-              <a:off x="1853759" y="767089"/>
+              <a:off x="1827519" y="1381142"/>
               <a:ext cx="2808574" cy="971053"/>
             </a:xfrm>
             <a:prstGeom prst="rect">
@@ -6297,12 +6320,109 @@
             </a:p>
           </p:txBody>
         </p:sp>
+        <p:pic>
+          <p:nvPicPr>
+            <p:cNvPr id="4" name="Picture 3">
+              <a:extLst>
+                <a:ext uri="{FF2B5EF4-FFF2-40B4-BE49-F238E27FC236}">
+                  <a16:creationId xmlns:a16="http://schemas.microsoft.com/office/drawing/2014/main" id="{713B0707-7C3F-1A1C-D99C-009F6C86C03A}"/>
+                </a:ext>
+              </a:extLst>
+            </p:cNvPr>
+            <p:cNvPicPr>
+              <a:picLocks noChangeAspect="1"/>
+            </p:cNvPicPr>
+            <p:nvPr/>
+          </p:nvPicPr>
+          <p:blipFill>
+            <a:blip r:embed="rId2">
+              <a:duotone>
+                <a:prstClr val="black"/>
+                <a:schemeClr val="tx2">
+                  <a:tint val="45000"/>
+                  <a:satMod val="400000"/>
+                </a:schemeClr>
+              </a:duotone>
+              <a:extLst>
+                <a:ext uri="{28A0092B-C50C-407E-A947-70E740481C1C}">
+                  <a14:useLocalDpi xmlns:a14="http://schemas.microsoft.com/office/drawing/2010/main" val="0"/>
+                </a:ext>
+              </a:extLst>
+            </a:blip>
+            <a:stretch>
+              <a:fillRect/>
+            </a:stretch>
+          </p:blipFill>
+          <p:spPr>
+            <a:xfrm>
+              <a:off x="4496958" y="1032144"/>
+              <a:ext cx="2307568" cy="1678232"/>
+            </a:xfrm>
+            <a:prstGeom prst="rect">
+              <a:avLst/>
+            </a:prstGeom>
+          </p:spPr>
+        </p:pic>
+        <p:sp>
+          <p:nvSpPr>
+            <p:cNvPr id="7" name="Rectangle: Rounded Corners 6">
+              <a:extLst>
+                <a:ext uri="{FF2B5EF4-FFF2-40B4-BE49-F238E27FC236}">
+                  <a16:creationId xmlns:a16="http://schemas.microsoft.com/office/drawing/2014/main" id="{C56E1AAF-3925-3C83-DB02-78FC545056F5}"/>
+                </a:ext>
+              </a:extLst>
+            </p:cNvPr>
+            <p:cNvSpPr/>
+            <p:nvPr/>
+          </p:nvSpPr>
+          <p:spPr>
+            <a:xfrm>
+              <a:off x="6808094" y="930669"/>
+              <a:ext cx="846000" cy="1872000"/>
+            </a:xfrm>
+            <a:prstGeom prst="roundRect">
+              <a:avLst>
+                <a:gd name="adj" fmla="val 3202"/>
+              </a:avLst>
+            </a:prstGeom>
+            <a:solidFill>
+              <a:srgbClr val="0EF258"/>
+            </a:solidFill>
+            <a:ln>
+              <a:noFill/>
+            </a:ln>
+          </p:spPr>
+          <p:style>
+            <a:lnRef idx="2">
+              <a:schemeClr val="accent1">
+                <a:shade val="15000"/>
+              </a:schemeClr>
+            </a:lnRef>
+            <a:fillRef idx="1">
+              <a:schemeClr val="accent1"/>
+            </a:fillRef>
+            <a:effectRef idx="0">
+              <a:schemeClr val="accent1"/>
+            </a:effectRef>
+            <a:fontRef idx="minor">
+              <a:schemeClr val="lt1"/>
+            </a:fontRef>
+          </p:style>
+          <p:txBody>
+            <a:bodyPr rtlCol="0" anchor="ctr"/>
+            <a:lstStyle/>
+            <a:p>
+              <a:pPr algn="ctr"/>
+              <a:endParaRPr lang="en-IN" dirty="0"/>
+            </a:p>
+          </p:txBody>
+        </p:sp>
         <p:grpSp>
           <p:nvGrpSpPr>
-            <p:cNvPr id="3" name="Group 2">
+            <p:cNvPr id="6" name="Group 5">
               <a:extLst>
                 <a:ext uri="{FF2B5EF4-FFF2-40B4-BE49-F238E27FC236}">
-                  <a16:creationId xmlns:a16="http://schemas.microsoft.com/office/drawing/2014/main" id="{7D787BB7-3645-D619-810E-07B043293AAA}"/>
+                  <a16:creationId xmlns:a16="http://schemas.microsoft.com/office/drawing/2014/main" id="{F8EC98D3-0461-CECB-2638-5F4FD6FFC51B}"/>
                 </a:ext>
               </a:extLst>
             </p:cNvPr>
@@ -6311,61 +6431,18 @@
           </p:nvGrpSpPr>
           <p:grpSpPr>
             <a:xfrm>
-              <a:off x="4523198" y="316616"/>
-              <a:ext cx="5867523" cy="1872000"/>
-              <a:chOff x="4523198" y="316616"/>
-              <a:chExt cx="5867523" cy="1872000"/>
+              <a:off x="6287451" y="1438081"/>
+              <a:ext cx="3624299" cy="857173"/>
+              <a:chOff x="4691564" y="1241652"/>
+              <a:chExt cx="3624299" cy="857173"/>
             </a:xfrm>
           </p:grpSpPr>
-          <p:pic>
-            <p:nvPicPr>
-              <p:cNvPr id="4" name="Picture 3">
+          <p:sp>
+            <p:nvSpPr>
+              <p:cNvPr id="8" name="Rectangle: Rounded Corners 7">
                 <a:extLst>
                   <a:ext uri="{FF2B5EF4-FFF2-40B4-BE49-F238E27FC236}">
-                    <a16:creationId xmlns:a16="http://schemas.microsoft.com/office/drawing/2014/main" id="{713B0707-7C3F-1A1C-D99C-009F6C86C03A}"/>
-                  </a:ext>
-                </a:extLst>
-              </p:cNvPr>
-              <p:cNvPicPr>
-                <a:picLocks noChangeAspect="1"/>
-              </p:cNvPicPr>
-              <p:nvPr/>
-            </p:nvPicPr>
-            <p:blipFill>
-              <a:blip r:embed="rId2">
-                <a:duotone>
-                  <a:prstClr val="black"/>
-                  <a:schemeClr val="tx2">
-                    <a:tint val="45000"/>
-                    <a:satMod val="400000"/>
-                  </a:schemeClr>
-                </a:duotone>
-                <a:extLst>
-                  <a:ext uri="{28A0092B-C50C-407E-A947-70E740481C1C}">
-                    <a14:useLocalDpi xmlns:a14="http://schemas.microsoft.com/office/drawing/2010/main" val="0"/>
-                  </a:ext>
-                </a:extLst>
-              </a:blip>
-              <a:stretch>
-                <a:fillRect/>
-              </a:stretch>
-            </p:blipFill>
-            <p:spPr>
-              <a:xfrm>
-                <a:off x="4523198" y="418091"/>
-                <a:ext cx="2307568" cy="1678232"/>
-              </a:xfrm>
-              <a:prstGeom prst="rect">
-                <a:avLst/>
-              </a:prstGeom>
-            </p:spPr>
-          </p:pic>
-          <p:sp>
-            <p:nvSpPr>
-              <p:cNvPr id="5" name="Rectangle: Rounded Corners 4">
-                <a:extLst>
-                  <a:ext uri="{FF2B5EF4-FFF2-40B4-BE49-F238E27FC236}">
-                    <a16:creationId xmlns:a16="http://schemas.microsoft.com/office/drawing/2014/main" id="{DE67C0C3-DCEA-311B-65E7-4119A91340B9}"/>
+                    <a16:creationId xmlns:a16="http://schemas.microsoft.com/office/drawing/2014/main" id="{94224E06-8B03-911E-D9AC-7E843828B388}"/>
                   </a:ext>
                 </a:extLst>
               </p:cNvPr>
@@ -6374,8 +6451,8 @@
             </p:nvSpPr>
             <p:spPr>
               <a:xfrm rot="5400000">
-                <a:off x="7933028" y="-782077"/>
-                <a:ext cx="846000" cy="4069386"/>
+                <a:off x="6080714" y="-136325"/>
+                <a:ext cx="846000" cy="3624299"/>
               </a:xfrm>
               <a:prstGeom prst="roundRect">
                 <a:avLst>
@@ -6416,64 +6493,10 @@
           </p:sp>
           <p:sp>
             <p:nvSpPr>
-              <p:cNvPr id="7" name="Rectangle: Rounded Corners 6">
+              <p:cNvPr id="10" name="TextBox 9">
                 <a:extLst>
                   <a:ext uri="{FF2B5EF4-FFF2-40B4-BE49-F238E27FC236}">
-                    <a16:creationId xmlns:a16="http://schemas.microsoft.com/office/drawing/2014/main" id="{C56E1AAF-3925-3C83-DB02-78FC545056F5}"/>
-                  </a:ext>
-                </a:extLst>
-              </p:cNvPr>
-              <p:cNvSpPr/>
-              <p:nvPr/>
-            </p:nvSpPr>
-            <p:spPr>
-              <a:xfrm>
-                <a:off x="6834334" y="316616"/>
-                <a:ext cx="846000" cy="1872000"/>
-              </a:xfrm>
-              <a:prstGeom prst="roundRect">
-                <a:avLst>
-                  <a:gd name="adj" fmla="val 3202"/>
-                </a:avLst>
-              </a:prstGeom>
-              <a:solidFill>
-                <a:srgbClr val="0EF258"/>
-              </a:solidFill>
-              <a:ln>
-                <a:noFill/>
-              </a:ln>
-            </p:spPr>
-            <p:style>
-              <a:lnRef idx="2">
-                <a:schemeClr val="accent1">
-                  <a:shade val="15000"/>
-                </a:schemeClr>
-              </a:lnRef>
-              <a:fillRef idx="1">
-                <a:schemeClr val="accent1"/>
-              </a:fillRef>
-              <a:effectRef idx="0">
-                <a:schemeClr val="accent1"/>
-              </a:effectRef>
-              <a:fontRef idx="minor">
-                <a:schemeClr val="lt1"/>
-              </a:fontRef>
-            </p:style>
-            <p:txBody>
-              <a:bodyPr rtlCol="0" anchor="ctr"/>
-              <a:lstStyle/>
-              <a:p>
-                <a:pPr algn="ctr"/>
-                <a:endParaRPr lang="en-IN" dirty="0"/>
-              </a:p>
-            </p:txBody>
-          </p:sp>
-          <p:sp>
-            <p:nvSpPr>
-              <p:cNvPr id="9" name="TextBox 8">
-                <a:extLst>
-                  <a:ext uri="{FF2B5EF4-FFF2-40B4-BE49-F238E27FC236}">
-                    <a16:creationId xmlns:a16="http://schemas.microsoft.com/office/drawing/2014/main" id="{FF50483A-34E0-D5AB-B89A-700313653678}"/>
+                    <a16:creationId xmlns:a16="http://schemas.microsoft.com/office/drawing/2014/main" id="{B32AC50B-63D3-332C-FD92-8C9AB50F1461}"/>
                   </a:ext>
                 </a:extLst>
               </p:cNvPr>
@@ -6482,8 +6505,8 @@
             </p:nvSpPr>
             <p:spPr>
               <a:xfrm>
-                <a:off x="6830766" y="818443"/>
-                <a:ext cx="3559955" cy="830997"/>
+                <a:off x="4691564" y="1241652"/>
+                <a:ext cx="3624299" cy="830997"/>
               </a:xfrm>
               <a:prstGeom prst="rect">
                 <a:avLst/>
@@ -6496,6 +6519,7 @@
               </a:bodyPr>
               <a:lstStyle/>
               <a:p>
+                <a:pPr algn="ctr"/>
                 <a:r>
                   <a:rPr lang="en-US" sz="4800" dirty="0" err="1">
                     <a:solidFill>
@@ -6518,10 +6542,10 @@
       </p:grpSp>
       <p:grpSp>
         <p:nvGrpSpPr>
-          <p:cNvPr id="15" name="Group 14">
+          <p:cNvPr id="21" name="Group 20">
             <a:extLst>
               <a:ext uri="{FF2B5EF4-FFF2-40B4-BE49-F238E27FC236}">
-                <a16:creationId xmlns:a16="http://schemas.microsoft.com/office/drawing/2014/main" id="{80F5D7E7-4555-EED6-8335-891926568172}"/>
+                <a16:creationId xmlns:a16="http://schemas.microsoft.com/office/drawing/2014/main" id="{BAD8FAAD-B230-9A79-AF68-14F24B59C0C2}"/>
               </a:ext>
             </a:extLst>
           </p:cNvPr>
@@ -6531,9 +6555,9 @@
         <p:grpSpPr>
           <a:xfrm>
             <a:off x="1940023" y="3953856"/>
-            <a:ext cx="8536962" cy="1872000"/>
-            <a:chOff x="1853759" y="316616"/>
-            <a:chExt cx="8536962" cy="1872000"/>
+            <a:ext cx="8092497" cy="1872000"/>
+            <a:chOff x="1940023" y="3953856"/>
+            <a:chExt cx="8092497" cy="1872000"/>
           </a:xfrm>
         </p:grpSpPr>
         <p:sp>
@@ -6552,7 +6576,7 @@
           </p:nvSpPr>
           <p:spPr>
             <a:xfrm>
-              <a:off x="1853759" y="767089"/>
+              <a:off x="1940023" y="4404329"/>
               <a:ext cx="2808574" cy="971053"/>
             </a:xfrm>
             <a:prstGeom prst="rect">
@@ -6638,12 +6662,109 @@
             </a:p>
           </p:txBody>
         </p:sp>
+        <p:pic>
+          <p:nvPicPr>
+            <p:cNvPr id="18" name="Picture 17">
+              <a:extLst>
+                <a:ext uri="{FF2B5EF4-FFF2-40B4-BE49-F238E27FC236}">
+                  <a16:creationId xmlns:a16="http://schemas.microsoft.com/office/drawing/2014/main" id="{19073674-6F86-B0BE-680F-4E84F6D3D04F}"/>
+                </a:ext>
+              </a:extLst>
+            </p:cNvPr>
+            <p:cNvPicPr>
+              <a:picLocks noChangeAspect="1"/>
+            </p:cNvPicPr>
+            <p:nvPr/>
+          </p:nvPicPr>
+          <p:blipFill>
+            <a:blip r:embed="rId2">
+              <a:duotone>
+                <a:prstClr val="black"/>
+                <a:schemeClr val="tx2">
+                  <a:tint val="45000"/>
+                  <a:satMod val="400000"/>
+                </a:schemeClr>
+              </a:duotone>
+              <a:extLst>
+                <a:ext uri="{28A0092B-C50C-407E-A947-70E740481C1C}">
+                  <a14:useLocalDpi xmlns:a14="http://schemas.microsoft.com/office/drawing/2010/main" val="0"/>
+                </a:ext>
+              </a:extLst>
+            </a:blip>
+            <a:stretch>
+              <a:fillRect/>
+            </a:stretch>
+          </p:blipFill>
+          <p:spPr>
+            <a:xfrm>
+              <a:off x="4609462" y="4055331"/>
+              <a:ext cx="2307568" cy="1678232"/>
+            </a:xfrm>
+            <a:prstGeom prst="rect">
+              <a:avLst/>
+            </a:prstGeom>
+          </p:spPr>
+        </p:pic>
+        <p:sp>
+          <p:nvSpPr>
+            <p:cNvPr id="32" name="Rectangle: Rounded Corners 31">
+              <a:extLst>
+                <a:ext uri="{FF2B5EF4-FFF2-40B4-BE49-F238E27FC236}">
+                  <a16:creationId xmlns:a16="http://schemas.microsoft.com/office/drawing/2014/main" id="{3593059E-1E27-2A14-CFFC-CB687D1569B0}"/>
+                </a:ext>
+              </a:extLst>
+            </p:cNvPr>
+            <p:cNvSpPr/>
+            <p:nvPr/>
+          </p:nvSpPr>
+          <p:spPr>
+            <a:xfrm>
+              <a:off x="6920598" y="3953856"/>
+              <a:ext cx="846000" cy="1872000"/>
+            </a:xfrm>
+            <a:prstGeom prst="roundRect">
+              <a:avLst>
+                <a:gd name="adj" fmla="val 3202"/>
+              </a:avLst>
+            </a:prstGeom>
+            <a:solidFill>
+              <a:srgbClr val="0EF258"/>
+            </a:solidFill>
+            <a:ln>
+              <a:noFill/>
+            </a:ln>
+          </p:spPr>
+          <p:style>
+            <a:lnRef idx="2">
+              <a:schemeClr val="accent1">
+                <a:shade val="15000"/>
+              </a:schemeClr>
+            </a:lnRef>
+            <a:fillRef idx="1">
+              <a:schemeClr val="accent1"/>
+            </a:fillRef>
+            <a:effectRef idx="0">
+              <a:schemeClr val="accent1"/>
+            </a:effectRef>
+            <a:fontRef idx="minor">
+              <a:schemeClr val="lt1"/>
+            </a:fontRef>
+          </p:style>
+          <p:txBody>
+            <a:bodyPr rtlCol="0" anchor="ctr"/>
+            <a:lstStyle/>
+            <a:p>
+              <a:pPr algn="ctr"/>
+              <a:endParaRPr lang="en-IN" dirty="0"/>
+            </a:p>
+          </p:txBody>
+        </p:sp>
         <p:grpSp>
           <p:nvGrpSpPr>
-            <p:cNvPr id="17" name="Group 16">
+            <p:cNvPr id="13" name="Group 12">
               <a:extLst>
                 <a:ext uri="{FF2B5EF4-FFF2-40B4-BE49-F238E27FC236}">
-                  <a16:creationId xmlns:a16="http://schemas.microsoft.com/office/drawing/2014/main" id="{4682C278-5D8F-AD3B-7F79-DFBB25D6CCAE}"/>
+                  <a16:creationId xmlns:a16="http://schemas.microsoft.com/office/drawing/2014/main" id="{CB0A1BBA-E849-41BC-BD46-FC98373E5527}"/>
                 </a:ext>
               </a:extLst>
             </p:cNvPr>
@@ -6652,61 +6773,18 @@
           </p:nvGrpSpPr>
           <p:grpSpPr>
             <a:xfrm>
-              <a:off x="4523198" y="316616"/>
-              <a:ext cx="5867523" cy="1872000"/>
-              <a:chOff x="4523198" y="316616"/>
-              <a:chExt cx="5867523" cy="1872000"/>
+              <a:off x="6408221" y="4461268"/>
+              <a:ext cx="3624299" cy="857173"/>
+              <a:chOff x="4691564" y="1241652"/>
+              <a:chExt cx="3624299" cy="857173"/>
             </a:xfrm>
           </p:grpSpPr>
-          <p:pic>
-            <p:nvPicPr>
-              <p:cNvPr id="18" name="Picture 17">
+          <p:sp>
+            <p:nvSpPr>
+              <p:cNvPr id="14" name="Rectangle: Rounded Corners 13">
                 <a:extLst>
                   <a:ext uri="{FF2B5EF4-FFF2-40B4-BE49-F238E27FC236}">
-                    <a16:creationId xmlns:a16="http://schemas.microsoft.com/office/drawing/2014/main" id="{19073674-6F86-B0BE-680F-4E84F6D3D04F}"/>
-                  </a:ext>
-                </a:extLst>
-              </p:cNvPr>
-              <p:cNvPicPr>
-                <a:picLocks noChangeAspect="1"/>
-              </p:cNvPicPr>
-              <p:nvPr/>
-            </p:nvPicPr>
-            <p:blipFill>
-              <a:blip r:embed="rId2">
-                <a:duotone>
-                  <a:prstClr val="black"/>
-                  <a:schemeClr val="tx2">
-                    <a:tint val="45000"/>
-                    <a:satMod val="400000"/>
-                  </a:schemeClr>
-                </a:duotone>
-                <a:extLst>
-                  <a:ext uri="{28A0092B-C50C-407E-A947-70E740481C1C}">
-                    <a14:useLocalDpi xmlns:a14="http://schemas.microsoft.com/office/drawing/2010/main" val="0"/>
-                  </a:ext>
-                </a:extLst>
-              </a:blip>
-              <a:stretch>
-                <a:fillRect/>
-              </a:stretch>
-            </p:blipFill>
-            <p:spPr>
-              <a:xfrm>
-                <a:off x="4523198" y="418091"/>
-                <a:ext cx="2307568" cy="1678232"/>
-              </a:xfrm>
-              <a:prstGeom prst="rect">
-                <a:avLst/>
-              </a:prstGeom>
-            </p:spPr>
-          </p:pic>
-          <p:sp>
-            <p:nvSpPr>
-              <p:cNvPr id="19" name="Rectangle: Rounded Corners 18">
-                <a:extLst>
-                  <a:ext uri="{FF2B5EF4-FFF2-40B4-BE49-F238E27FC236}">
-                    <a16:creationId xmlns:a16="http://schemas.microsoft.com/office/drawing/2014/main" id="{9CF1C74D-B7A7-8958-DFAF-125CE143FBCA}"/>
+                    <a16:creationId xmlns:a16="http://schemas.microsoft.com/office/drawing/2014/main" id="{A2BE8C5B-4B5C-DD95-1148-BCC9C74F00F7}"/>
                   </a:ext>
                 </a:extLst>
               </p:cNvPr>
@@ -6715,8 +6793,8 @@
             </p:nvSpPr>
             <p:spPr>
               <a:xfrm rot="5400000">
-                <a:off x="7933028" y="-782077"/>
-                <a:ext cx="846000" cy="4069386"/>
+                <a:off x="6080714" y="-136325"/>
+                <a:ext cx="846000" cy="3624299"/>
               </a:xfrm>
               <a:prstGeom prst="roundRect">
                 <a:avLst>
@@ -6757,64 +6835,10 @@
           </p:sp>
           <p:sp>
             <p:nvSpPr>
-              <p:cNvPr id="32" name="Rectangle: Rounded Corners 31">
+              <p:cNvPr id="20" name="TextBox 19">
                 <a:extLst>
                   <a:ext uri="{FF2B5EF4-FFF2-40B4-BE49-F238E27FC236}">
-                    <a16:creationId xmlns:a16="http://schemas.microsoft.com/office/drawing/2014/main" id="{3593059E-1E27-2A14-CFFC-CB687D1569B0}"/>
-                  </a:ext>
-                </a:extLst>
-              </p:cNvPr>
-              <p:cNvSpPr/>
-              <p:nvPr/>
-            </p:nvSpPr>
-            <p:spPr>
-              <a:xfrm>
-                <a:off x="6834334" y="316616"/>
-                <a:ext cx="846000" cy="1872000"/>
-              </a:xfrm>
-              <a:prstGeom prst="roundRect">
-                <a:avLst>
-                  <a:gd name="adj" fmla="val 3202"/>
-                </a:avLst>
-              </a:prstGeom>
-              <a:solidFill>
-                <a:srgbClr val="0EF258"/>
-              </a:solidFill>
-              <a:ln>
-                <a:noFill/>
-              </a:ln>
-            </p:spPr>
-            <p:style>
-              <a:lnRef idx="2">
-                <a:schemeClr val="accent1">
-                  <a:shade val="15000"/>
-                </a:schemeClr>
-              </a:lnRef>
-              <a:fillRef idx="1">
-                <a:schemeClr val="accent1"/>
-              </a:fillRef>
-              <a:effectRef idx="0">
-                <a:schemeClr val="accent1"/>
-              </a:effectRef>
-              <a:fontRef idx="minor">
-                <a:schemeClr val="lt1"/>
-              </a:fontRef>
-            </p:style>
-            <p:txBody>
-              <a:bodyPr rtlCol="0" anchor="ctr"/>
-              <a:lstStyle/>
-              <a:p>
-                <a:pPr algn="ctr"/>
-                <a:endParaRPr lang="en-IN" dirty="0"/>
-              </a:p>
-            </p:txBody>
-          </p:sp>
-          <p:sp>
-            <p:nvSpPr>
-              <p:cNvPr id="33" name="TextBox 32">
-                <a:extLst>
-                  <a:ext uri="{FF2B5EF4-FFF2-40B4-BE49-F238E27FC236}">
-                    <a16:creationId xmlns:a16="http://schemas.microsoft.com/office/drawing/2014/main" id="{74721620-4E4D-7B96-680F-18D2DBD727C0}"/>
+                    <a16:creationId xmlns:a16="http://schemas.microsoft.com/office/drawing/2014/main" id="{1A860426-3344-0848-28CE-7F819C45B151}"/>
                   </a:ext>
                 </a:extLst>
               </p:cNvPr>
@@ -6823,8 +6847,8 @@
             </p:nvSpPr>
             <p:spPr>
               <a:xfrm>
-                <a:off x="6830766" y="818443"/>
-                <a:ext cx="3559955" cy="830997"/>
+                <a:off x="4691564" y="1241652"/>
+                <a:ext cx="3624299" cy="830997"/>
               </a:xfrm>
               <a:prstGeom prst="rect">
                 <a:avLst/>
@@ -6837,6 +6861,7 @@
               </a:bodyPr>
               <a:lstStyle/>
               <a:p>
+                <a:pPr algn="ctr"/>
                 <a:r>
                   <a:rPr lang="en-US" sz="4800" dirty="0" err="1">
                     <a:solidFill>
@@ -6889,10 +6914,10 @@
       </p:grpSpPr>
       <p:grpSp>
         <p:nvGrpSpPr>
-          <p:cNvPr id="2" name="Group 1">
+          <p:cNvPr id="12" name="Group 11">
             <a:extLst>
               <a:ext uri="{FF2B5EF4-FFF2-40B4-BE49-F238E27FC236}">
-                <a16:creationId xmlns:a16="http://schemas.microsoft.com/office/drawing/2014/main" id="{0A85C8C2-E9AE-3E1A-60BE-801C72C92B66}"/>
+                <a16:creationId xmlns:a16="http://schemas.microsoft.com/office/drawing/2014/main" id="{C8C44E6C-FE15-D0F7-96F1-5B78824AAADF}"/>
               </a:ext>
             </a:extLst>
           </p:cNvPr>
@@ -6902,9 +6927,9 @@
         <p:grpSpPr>
           <a:xfrm>
             <a:off x="1853759" y="756563"/>
-            <a:ext cx="8536962" cy="1872000"/>
-            <a:chOff x="1853759" y="316616"/>
-            <a:chExt cx="8536962" cy="1872000"/>
+            <a:ext cx="8091875" cy="1872000"/>
+            <a:chOff x="1853759" y="756563"/>
+            <a:chExt cx="8091875" cy="1872000"/>
           </a:xfrm>
         </p:grpSpPr>
         <p:sp>
@@ -6923,7 +6948,7 @@
           </p:nvSpPr>
           <p:spPr>
             <a:xfrm>
-              <a:off x="1853759" y="767089"/>
+              <a:off x="1853759" y="1207036"/>
               <a:ext cx="2808574" cy="971053"/>
             </a:xfrm>
             <a:prstGeom prst="rect">
@@ -7009,12 +7034,109 @@
             </a:p>
           </p:txBody>
         </p:sp>
+        <p:pic>
+          <p:nvPicPr>
+            <p:cNvPr id="5" name="Picture 4">
+              <a:extLst>
+                <a:ext uri="{FF2B5EF4-FFF2-40B4-BE49-F238E27FC236}">
+                  <a16:creationId xmlns:a16="http://schemas.microsoft.com/office/drawing/2014/main" id="{D9DD9BFC-4654-CE85-16C4-77295ADAE0B5}"/>
+                </a:ext>
+              </a:extLst>
+            </p:cNvPr>
+            <p:cNvPicPr>
+              <a:picLocks noChangeAspect="1"/>
+            </p:cNvPicPr>
+            <p:nvPr/>
+          </p:nvPicPr>
+          <p:blipFill>
+            <a:blip r:embed="rId2">
+              <a:duotone>
+                <a:prstClr val="black"/>
+                <a:schemeClr val="tx2">
+                  <a:tint val="45000"/>
+                  <a:satMod val="400000"/>
+                </a:schemeClr>
+              </a:duotone>
+              <a:extLst>
+                <a:ext uri="{28A0092B-C50C-407E-A947-70E740481C1C}">
+                  <a14:useLocalDpi xmlns:a14="http://schemas.microsoft.com/office/drawing/2010/main" val="0"/>
+                </a:ext>
+              </a:extLst>
+            </a:blip>
+            <a:stretch>
+              <a:fillRect/>
+            </a:stretch>
+          </p:blipFill>
+          <p:spPr>
+            <a:xfrm>
+              <a:off x="4523198" y="858038"/>
+              <a:ext cx="2307568" cy="1678232"/>
+            </a:xfrm>
+            <a:prstGeom prst="rect">
+              <a:avLst/>
+            </a:prstGeom>
+          </p:spPr>
+        </p:pic>
+        <p:sp>
+          <p:nvSpPr>
+            <p:cNvPr id="7" name="Rectangle: Rounded Corners 6">
+              <a:extLst>
+                <a:ext uri="{FF2B5EF4-FFF2-40B4-BE49-F238E27FC236}">
+                  <a16:creationId xmlns:a16="http://schemas.microsoft.com/office/drawing/2014/main" id="{85F5E7A4-46BF-42AC-2969-3C925D6562DE}"/>
+                </a:ext>
+              </a:extLst>
+            </p:cNvPr>
+            <p:cNvSpPr/>
+            <p:nvPr/>
+          </p:nvSpPr>
+          <p:spPr>
+            <a:xfrm>
+              <a:off x="6834334" y="756563"/>
+              <a:ext cx="846000" cy="1872000"/>
+            </a:xfrm>
+            <a:prstGeom prst="roundRect">
+              <a:avLst>
+                <a:gd name="adj" fmla="val 3202"/>
+              </a:avLst>
+            </a:prstGeom>
+            <a:solidFill>
+              <a:srgbClr val="0EF258"/>
+            </a:solidFill>
+            <a:ln>
+              <a:noFill/>
+            </a:ln>
+          </p:spPr>
+          <p:style>
+            <a:lnRef idx="2">
+              <a:schemeClr val="accent1">
+                <a:shade val="15000"/>
+              </a:schemeClr>
+            </a:lnRef>
+            <a:fillRef idx="1">
+              <a:schemeClr val="accent1"/>
+            </a:fillRef>
+            <a:effectRef idx="0">
+              <a:schemeClr val="accent1"/>
+            </a:effectRef>
+            <a:fontRef idx="minor">
+              <a:schemeClr val="lt1"/>
+            </a:fontRef>
+          </p:style>
+          <p:txBody>
+            <a:bodyPr rtlCol="0" anchor="ctr"/>
+            <a:lstStyle/>
+            <a:p>
+              <a:pPr algn="ctr"/>
+              <a:endParaRPr lang="en-IN" dirty="0"/>
+            </a:p>
+          </p:txBody>
+        </p:sp>
         <p:grpSp>
           <p:nvGrpSpPr>
-            <p:cNvPr id="4" name="Group 3">
+            <p:cNvPr id="9" name="Group 8">
               <a:extLst>
                 <a:ext uri="{FF2B5EF4-FFF2-40B4-BE49-F238E27FC236}">
-                  <a16:creationId xmlns:a16="http://schemas.microsoft.com/office/drawing/2014/main" id="{0E739029-252B-EC1C-988A-E16CA028E586}"/>
+                  <a16:creationId xmlns:a16="http://schemas.microsoft.com/office/drawing/2014/main" id="{8AED5600-4CCA-6D50-C8C5-25229EA58830}"/>
                 </a:ext>
               </a:extLst>
             </p:cNvPr>
@@ -7023,61 +7145,18 @@
           </p:nvGrpSpPr>
           <p:grpSpPr>
             <a:xfrm>
-              <a:off x="4523198" y="316616"/>
-              <a:ext cx="5867523" cy="1872000"/>
-              <a:chOff x="4523198" y="316616"/>
-              <a:chExt cx="5867523" cy="1872000"/>
+              <a:off x="6321335" y="1296657"/>
+              <a:ext cx="3624299" cy="857173"/>
+              <a:chOff x="4691564" y="1241652"/>
+              <a:chExt cx="3624299" cy="857173"/>
             </a:xfrm>
           </p:grpSpPr>
-          <p:pic>
-            <p:nvPicPr>
-              <p:cNvPr id="5" name="Picture 4">
+          <p:sp>
+            <p:nvSpPr>
+              <p:cNvPr id="10" name="Rectangle: Rounded Corners 9">
                 <a:extLst>
                   <a:ext uri="{FF2B5EF4-FFF2-40B4-BE49-F238E27FC236}">
-                    <a16:creationId xmlns:a16="http://schemas.microsoft.com/office/drawing/2014/main" id="{D9DD9BFC-4654-CE85-16C4-77295ADAE0B5}"/>
-                  </a:ext>
-                </a:extLst>
-              </p:cNvPr>
-              <p:cNvPicPr>
-                <a:picLocks noChangeAspect="1"/>
-              </p:cNvPicPr>
-              <p:nvPr/>
-            </p:nvPicPr>
-            <p:blipFill>
-              <a:blip r:embed="rId2">
-                <a:duotone>
-                  <a:prstClr val="black"/>
-                  <a:schemeClr val="tx2">
-                    <a:tint val="45000"/>
-                    <a:satMod val="400000"/>
-                  </a:schemeClr>
-                </a:duotone>
-                <a:extLst>
-                  <a:ext uri="{28A0092B-C50C-407E-A947-70E740481C1C}">
-                    <a14:useLocalDpi xmlns:a14="http://schemas.microsoft.com/office/drawing/2010/main" val="0"/>
-                  </a:ext>
-                </a:extLst>
-              </a:blip>
-              <a:stretch>
-                <a:fillRect/>
-              </a:stretch>
-            </p:blipFill>
-            <p:spPr>
-              <a:xfrm>
-                <a:off x="4523198" y="418091"/>
-                <a:ext cx="2307568" cy="1678232"/>
-              </a:xfrm>
-              <a:prstGeom prst="rect">
-                <a:avLst/>
-              </a:prstGeom>
-            </p:spPr>
-          </p:pic>
-          <p:sp>
-            <p:nvSpPr>
-              <p:cNvPr id="6" name="Rectangle: Rounded Corners 5">
-                <a:extLst>
-                  <a:ext uri="{FF2B5EF4-FFF2-40B4-BE49-F238E27FC236}">
-                    <a16:creationId xmlns:a16="http://schemas.microsoft.com/office/drawing/2014/main" id="{291A8F50-E7A3-7FB4-CC52-CFD255D7CAD8}"/>
+                    <a16:creationId xmlns:a16="http://schemas.microsoft.com/office/drawing/2014/main" id="{9172E4D4-E909-1298-294C-50F8D1129831}"/>
                   </a:ext>
                 </a:extLst>
               </p:cNvPr>
@@ -7086,8 +7165,8 @@
             </p:nvSpPr>
             <p:spPr>
               <a:xfrm rot="5400000">
-                <a:off x="7933028" y="-782077"/>
-                <a:ext cx="846000" cy="4069386"/>
+                <a:off x="6080714" y="-136325"/>
+                <a:ext cx="846000" cy="3624299"/>
               </a:xfrm>
               <a:prstGeom prst="roundRect">
                 <a:avLst>
@@ -7128,64 +7207,10 @@
           </p:sp>
           <p:sp>
             <p:nvSpPr>
-              <p:cNvPr id="7" name="Rectangle: Rounded Corners 6">
+              <p:cNvPr id="11" name="TextBox 10">
                 <a:extLst>
                   <a:ext uri="{FF2B5EF4-FFF2-40B4-BE49-F238E27FC236}">
-                    <a16:creationId xmlns:a16="http://schemas.microsoft.com/office/drawing/2014/main" id="{85F5E7A4-46BF-42AC-2969-3C925D6562DE}"/>
-                  </a:ext>
-                </a:extLst>
-              </p:cNvPr>
-              <p:cNvSpPr/>
-              <p:nvPr/>
-            </p:nvSpPr>
-            <p:spPr>
-              <a:xfrm>
-                <a:off x="6834334" y="316616"/>
-                <a:ext cx="846000" cy="1872000"/>
-              </a:xfrm>
-              <a:prstGeom prst="roundRect">
-                <a:avLst>
-                  <a:gd name="adj" fmla="val 3202"/>
-                </a:avLst>
-              </a:prstGeom>
-              <a:solidFill>
-                <a:srgbClr val="0EF258"/>
-              </a:solidFill>
-              <a:ln>
-                <a:noFill/>
-              </a:ln>
-            </p:spPr>
-            <p:style>
-              <a:lnRef idx="2">
-                <a:schemeClr val="accent1">
-                  <a:shade val="15000"/>
-                </a:schemeClr>
-              </a:lnRef>
-              <a:fillRef idx="1">
-                <a:schemeClr val="accent1"/>
-              </a:fillRef>
-              <a:effectRef idx="0">
-                <a:schemeClr val="accent1"/>
-              </a:effectRef>
-              <a:fontRef idx="minor">
-                <a:schemeClr val="lt1"/>
-              </a:fontRef>
-            </p:style>
-            <p:txBody>
-              <a:bodyPr rtlCol="0" anchor="ctr"/>
-              <a:lstStyle/>
-              <a:p>
-                <a:pPr algn="ctr"/>
-                <a:endParaRPr lang="en-IN" dirty="0"/>
-              </a:p>
-            </p:txBody>
-          </p:sp>
-          <p:sp>
-            <p:nvSpPr>
-              <p:cNvPr id="8" name="TextBox 7">
-                <a:extLst>
-                  <a:ext uri="{FF2B5EF4-FFF2-40B4-BE49-F238E27FC236}">
-                    <a16:creationId xmlns:a16="http://schemas.microsoft.com/office/drawing/2014/main" id="{B49427DA-7C16-C1A7-8B6D-4D0B8E53F201}"/>
+                    <a16:creationId xmlns:a16="http://schemas.microsoft.com/office/drawing/2014/main" id="{3499DA95-57D1-84B0-6CA6-3350D39E1EF0}"/>
                   </a:ext>
                 </a:extLst>
               </p:cNvPr>
@@ -7194,8 +7219,8 @@
             </p:nvSpPr>
             <p:spPr>
               <a:xfrm>
-                <a:off x="6830766" y="818443"/>
-                <a:ext cx="3559955" cy="830997"/>
+                <a:off x="4691564" y="1241652"/>
+                <a:ext cx="3624299" cy="830997"/>
               </a:xfrm>
               <a:prstGeom prst="rect">
                 <a:avLst/>
@@ -7208,6 +7233,7 @@
               </a:bodyPr>
               <a:lstStyle/>
               <a:p>
+                <a:pPr algn="ctr"/>
                 <a:r>
                   <a:rPr lang="en-US" sz="4800" dirty="0" err="1">
                     <a:solidFill>
@@ -7230,10 +7256,10 @@
       </p:grpSp>
       <p:grpSp>
         <p:nvGrpSpPr>
-          <p:cNvPr id="34" name="Group 33">
+          <p:cNvPr id="16" name="Group 15">
             <a:extLst>
               <a:ext uri="{FF2B5EF4-FFF2-40B4-BE49-F238E27FC236}">
-                <a16:creationId xmlns:a16="http://schemas.microsoft.com/office/drawing/2014/main" id="{27D37F14-2F83-07E2-D2C9-A878AD4AC173}"/>
+                <a16:creationId xmlns:a16="http://schemas.microsoft.com/office/drawing/2014/main" id="{047CFA54-B413-1579-6DD5-FE2E9A0D35ED}"/>
               </a:ext>
             </a:extLst>
           </p:cNvPr>
@@ -7243,9 +7269,9 @@
         <p:grpSpPr>
           <a:xfrm>
             <a:off x="1853759" y="3924872"/>
-            <a:ext cx="8536962" cy="1872000"/>
-            <a:chOff x="1853759" y="316616"/>
-            <a:chExt cx="8536962" cy="1872000"/>
+            <a:ext cx="8091874" cy="1872000"/>
+            <a:chOff x="1853759" y="3924872"/>
+            <a:chExt cx="8091874" cy="1872000"/>
           </a:xfrm>
         </p:grpSpPr>
         <p:sp>
@@ -7264,7 +7290,7 @@
           </p:nvSpPr>
           <p:spPr>
             <a:xfrm>
-              <a:off x="1853759" y="767089"/>
+              <a:off x="1853759" y="4375345"/>
               <a:ext cx="2808574" cy="971053"/>
             </a:xfrm>
             <a:prstGeom prst="rect">
@@ -7350,12 +7376,109 @@
             </a:p>
           </p:txBody>
         </p:sp>
+        <p:pic>
+          <p:nvPicPr>
+            <p:cNvPr id="37" name="Picture 36">
+              <a:extLst>
+                <a:ext uri="{FF2B5EF4-FFF2-40B4-BE49-F238E27FC236}">
+                  <a16:creationId xmlns:a16="http://schemas.microsoft.com/office/drawing/2014/main" id="{A3F66B3B-6C73-BF65-800D-7312B0DD79A8}"/>
+                </a:ext>
+              </a:extLst>
+            </p:cNvPr>
+            <p:cNvPicPr>
+              <a:picLocks noChangeAspect="1"/>
+            </p:cNvPicPr>
+            <p:nvPr/>
+          </p:nvPicPr>
+          <p:blipFill>
+            <a:blip r:embed="rId2">
+              <a:duotone>
+                <a:prstClr val="black"/>
+                <a:schemeClr val="tx2">
+                  <a:tint val="45000"/>
+                  <a:satMod val="400000"/>
+                </a:schemeClr>
+              </a:duotone>
+              <a:extLst>
+                <a:ext uri="{28A0092B-C50C-407E-A947-70E740481C1C}">
+                  <a14:useLocalDpi xmlns:a14="http://schemas.microsoft.com/office/drawing/2010/main" val="0"/>
+                </a:ext>
+              </a:extLst>
+            </a:blip>
+            <a:stretch>
+              <a:fillRect/>
+            </a:stretch>
+          </p:blipFill>
+          <p:spPr>
+            <a:xfrm>
+              <a:off x="4523198" y="4026347"/>
+              <a:ext cx="2307568" cy="1678232"/>
+            </a:xfrm>
+            <a:prstGeom prst="rect">
+              <a:avLst/>
+            </a:prstGeom>
+          </p:spPr>
+        </p:pic>
+        <p:sp>
+          <p:nvSpPr>
+            <p:cNvPr id="39" name="Rectangle: Rounded Corners 38">
+              <a:extLst>
+                <a:ext uri="{FF2B5EF4-FFF2-40B4-BE49-F238E27FC236}">
+                  <a16:creationId xmlns:a16="http://schemas.microsoft.com/office/drawing/2014/main" id="{CD80399A-FF38-3B50-2A38-6332EC32BE34}"/>
+                </a:ext>
+              </a:extLst>
+            </p:cNvPr>
+            <p:cNvSpPr/>
+            <p:nvPr/>
+          </p:nvSpPr>
+          <p:spPr>
+            <a:xfrm>
+              <a:off x="6834334" y="3924872"/>
+              <a:ext cx="846000" cy="1872000"/>
+            </a:xfrm>
+            <a:prstGeom prst="roundRect">
+              <a:avLst>
+                <a:gd name="adj" fmla="val 3202"/>
+              </a:avLst>
+            </a:prstGeom>
+            <a:solidFill>
+              <a:srgbClr val="0EF258"/>
+            </a:solidFill>
+            <a:ln>
+              <a:noFill/>
+            </a:ln>
+          </p:spPr>
+          <p:style>
+            <a:lnRef idx="2">
+              <a:schemeClr val="accent1">
+                <a:shade val="15000"/>
+              </a:schemeClr>
+            </a:lnRef>
+            <a:fillRef idx="1">
+              <a:schemeClr val="accent1"/>
+            </a:fillRef>
+            <a:effectRef idx="0">
+              <a:schemeClr val="accent1"/>
+            </a:effectRef>
+            <a:fontRef idx="minor">
+              <a:schemeClr val="lt1"/>
+            </a:fontRef>
+          </p:style>
+          <p:txBody>
+            <a:bodyPr rtlCol="0" anchor="ctr"/>
+            <a:lstStyle/>
+            <a:p>
+              <a:pPr algn="ctr"/>
+              <a:endParaRPr lang="en-IN" dirty="0"/>
+            </a:p>
+          </p:txBody>
+        </p:sp>
         <p:grpSp>
           <p:nvGrpSpPr>
-            <p:cNvPr id="36" name="Group 35">
+            <p:cNvPr id="13" name="Group 12">
               <a:extLst>
                 <a:ext uri="{FF2B5EF4-FFF2-40B4-BE49-F238E27FC236}">
-                  <a16:creationId xmlns:a16="http://schemas.microsoft.com/office/drawing/2014/main" id="{1015414A-58C6-C1ED-FD53-CDA936A870B1}"/>
+                  <a16:creationId xmlns:a16="http://schemas.microsoft.com/office/drawing/2014/main" id="{2D1124EB-A9E6-EC7E-EDFA-31F4AE8F5459}"/>
                 </a:ext>
               </a:extLst>
             </p:cNvPr>
@@ -7364,61 +7487,18 @@
           </p:nvGrpSpPr>
           <p:grpSpPr>
             <a:xfrm>
-              <a:off x="4523198" y="316616"/>
-              <a:ext cx="5867523" cy="1872000"/>
-              <a:chOff x="4523198" y="316616"/>
-              <a:chExt cx="5867523" cy="1872000"/>
+              <a:off x="6321334" y="4464966"/>
+              <a:ext cx="3624299" cy="857173"/>
+              <a:chOff x="4691564" y="1241652"/>
+              <a:chExt cx="3624299" cy="857173"/>
             </a:xfrm>
           </p:grpSpPr>
-          <p:pic>
-            <p:nvPicPr>
-              <p:cNvPr id="37" name="Picture 36">
+          <p:sp>
+            <p:nvSpPr>
+              <p:cNvPr id="14" name="Rectangle: Rounded Corners 13">
                 <a:extLst>
                   <a:ext uri="{FF2B5EF4-FFF2-40B4-BE49-F238E27FC236}">
-                    <a16:creationId xmlns:a16="http://schemas.microsoft.com/office/drawing/2014/main" id="{A3F66B3B-6C73-BF65-800D-7312B0DD79A8}"/>
-                  </a:ext>
-                </a:extLst>
-              </p:cNvPr>
-              <p:cNvPicPr>
-                <a:picLocks noChangeAspect="1"/>
-              </p:cNvPicPr>
-              <p:nvPr/>
-            </p:nvPicPr>
-            <p:blipFill>
-              <a:blip r:embed="rId2">
-                <a:duotone>
-                  <a:prstClr val="black"/>
-                  <a:schemeClr val="tx2">
-                    <a:tint val="45000"/>
-                    <a:satMod val="400000"/>
-                  </a:schemeClr>
-                </a:duotone>
-                <a:extLst>
-                  <a:ext uri="{28A0092B-C50C-407E-A947-70E740481C1C}">
-                    <a14:useLocalDpi xmlns:a14="http://schemas.microsoft.com/office/drawing/2010/main" val="0"/>
-                  </a:ext>
-                </a:extLst>
-              </a:blip>
-              <a:stretch>
-                <a:fillRect/>
-              </a:stretch>
-            </p:blipFill>
-            <p:spPr>
-              <a:xfrm>
-                <a:off x="4523198" y="418091"/>
-                <a:ext cx="2307568" cy="1678232"/>
-              </a:xfrm>
-              <a:prstGeom prst="rect">
-                <a:avLst/>
-              </a:prstGeom>
-            </p:spPr>
-          </p:pic>
-          <p:sp>
-            <p:nvSpPr>
-              <p:cNvPr id="38" name="Rectangle: Rounded Corners 37">
-                <a:extLst>
-                  <a:ext uri="{FF2B5EF4-FFF2-40B4-BE49-F238E27FC236}">
-                    <a16:creationId xmlns:a16="http://schemas.microsoft.com/office/drawing/2014/main" id="{32505CD9-C853-EB34-4DBC-FBDD8B7C5371}"/>
+                    <a16:creationId xmlns:a16="http://schemas.microsoft.com/office/drawing/2014/main" id="{28B9AB0A-2866-C8C1-3B84-11AD3CC4AEA5}"/>
                   </a:ext>
                 </a:extLst>
               </p:cNvPr>
@@ -7427,8 +7507,8 @@
             </p:nvSpPr>
             <p:spPr>
               <a:xfrm rot="5400000">
-                <a:off x="7933028" y="-782077"/>
-                <a:ext cx="846000" cy="4069386"/>
+                <a:off x="6080714" y="-136325"/>
+                <a:ext cx="846000" cy="3624299"/>
               </a:xfrm>
               <a:prstGeom prst="roundRect">
                 <a:avLst>
@@ -7469,64 +7549,10 @@
           </p:sp>
           <p:sp>
             <p:nvSpPr>
-              <p:cNvPr id="39" name="Rectangle: Rounded Corners 38">
+              <p:cNvPr id="15" name="TextBox 14">
                 <a:extLst>
                   <a:ext uri="{FF2B5EF4-FFF2-40B4-BE49-F238E27FC236}">
-                    <a16:creationId xmlns:a16="http://schemas.microsoft.com/office/drawing/2014/main" id="{CD80399A-FF38-3B50-2A38-6332EC32BE34}"/>
-                  </a:ext>
-                </a:extLst>
-              </p:cNvPr>
-              <p:cNvSpPr/>
-              <p:nvPr/>
-            </p:nvSpPr>
-            <p:spPr>
-              <a:xfrm>
-                <a:off x="6834334" y="316616"/>
-                <a:ext cx="846000" cy="1872000"/>
-              </a:xfrm>
-              <a:prstGeom prst="roundRect">
-                <a:avLst>
-                  <a:gd name="adj" fmla="val 3202"/>
-                </a:avLst>
-              </a:prstGeom>
-              <a:solidFill>
-                <a:srgbClr val="0EF258"/>
-              </a:solidFill>
-              <a:ln>
-                <a:noFill/>
-              </a:ln>
-            </p:spPr>
-            <p:style>
-              <a:lnRef idx="2">
-                <a:schemeClr val="accent1">
-                  <a:shade val="15000"/>
-                </a:schemeClr>
-              </a:lnRef>
-              <a:fillRef idx="1">
-                <a:schemeClr val="accent1"/>
-              </a:fillRef>
-              <a:effectRef idx="0">
-                <a:schemeClr val="accent1"/>
-              </a:effectRef>
-              <a:fontRef idx="minor">
-                <a:schemeClr val="lt1"/>
-              </a:fontRef>
-            </p:style>
-            <p:txBody>
-              <a:bodyPr rtlCol="0" anchor="ctr"/>
-              <a:lstStyle/>
-              <a:p>
-                <a:pPr algn="ctr"/>
-                <a:endParaRPr lang="en-IN" dirty="0"/>
-              </a:p>
-            </p:txBody>
-          </p:sp>
-          <p:sp>
-            <p:nvSpPr>
-              <p:cNvPr id="40" name="TextBox 39">
-                <a:extLst>
-                  <a:ext uri="{FF2B5EF4-FFF2-40B4-BE49-F238E27FC236}">
-                    <a16:creationId xmlns:a16="http://schemas.microsoft.com/office/drawing/2014/main" id="{6D8EFED3-5678-AC9F-8287-E62434B21300}"/>
+                    <a16:creationId xmlns:a16="http://schemas.microsoft.com/office/drawing/2014/main" id="{BDA7B623-E443-B1C7-D16D-7F8959AB9EA8}"/>
                   </a:ext>
                 </a:extLst>
               </p:cNvPr>
@@ -7535,8 +7561,8 @@
             </p:nvSpPr>
             <p:spPr>
               <a:xfrm>
-                <a:off x="6830766" y="818443"/>
-                <a:ext cx="3559955" cy="830997"/>
+                <a:off x="4691564" y="1241652"/>
+                <a:ext cx="3624299" cy="830997"/>
               </a:xfrm>
               <a:prstGeom prst="rect">
                 <a:avLst/>
@@ -7549,6 +7575,7 @@
               </a:bodyPr>
               <a:lstStyle/>
               <a:p>
+                <a:pPr algn="ctr"/>
                 <a:r>
                   <a:rPr lang="en-US" sz="4800" dirty="0" err="1">
                     <a:solidFill>
@@ -7607,10 +7634,10 @@
       </p:grpSpPr>
       <p:grpSp>
         <p:nvGrpSpPr>
-          <p:cNvPr id="48" name="Group 47">
+          <p:cNvPr id="17" name="Group 16">
             <a:extLst>
               <a:ext uri="{FF2B5EF4-FFF2-40B4-BE49-F238E27FC236}">
-                <a16:creationId xmlns:a16="http://schemas.microsoft.com/office/drawing/2014/main" id="{1AA15A0A-57F2-BD5E-6A26-B4B59D71039D}"/>
+                <a16:creationId xmlns:a16="http://schemas.microsoft.com/office/drawing/2014/main" id="{0C4D5B9A-94AF-712A-22AF-21064699163D}"/>
               </a:ext>
             </a:extLst>
           </p:cNvPr>
@@ -7619,568 +7646,12 @@
         </p:nvGrpSpPr>
         <p:grpSpPr>
           <a:xfrm>
-            <a:off x="2610148" y="3579291"/>
-            <a:ext cx="6309566" cy="2809565"/>
-            <a:chOff x="3032842" y="3258062"/>
-            <a:chExt cx="6309566" cy="2809565"/>
+            <a:off x="2318897" y="215470"/>
+            <a:ext cx="6309566" cy="2792316"/>
+            <a:chOff x="2318897" y="215470"/>
+            <a:chExt cx="6309566" cy="2792316"/>
           </a:xfrm>
         </p:grpSpPr>
-        <p:grpSp>
-          <p:nvGrpSpPr>
-            <p:cNvPr id="42" name="Group 41">
-              <a:extLst>
-                <a:ext uri="{FF2B5EF4-FFF2-40B4-BE49-F238E27FC236}">
-                  <a16:creationId xmlns:a16="http://schemas.microsoft.com/office/drawing/2014/main" id="{44BA908C-D3E3-4546-E11D-9D40E9E8D183}"/>
-                </a:ext>
-              </a:extLst>
-            </p:cNvPr>
-            <p:cNvGrpSpPr/>
-            <p:nvPr/>
-          </p:nvGrpSpPr>
-          <p:grpSpPr>
-            <a:xfrm>
-              <a:off x="3162238" y="4195627"/>
-              <a:ext cx="5867523" cy="1872000"/>
-              <a:chOff x="4523198" y="316616"/>
-              <a:chExt cx="5867523" cy="1872000"/>
-            </a:xfrm>
-          </p:grpSpPr>
-          <p:pic>
-            <p:nvPicPr>
-              <p:cNvPr id="43" name="Picture 42">
-                <a:extLst>
-                  <a:ext uri="{FF2B5EF4-FFF2-40B4-BE49-F238E27FC236}">
-                    <a16:creationId xmlns:a16="http://schemas.microsoft.com/office/drawing/2014/main" id="{FEF61146-90CE-D595-EDBF-1EE4FFDA38C6}"/>
-                  </a:ext>
-                </a:extLst>
-              </p:cNvPr>
-              <p:cNvPicPr>
-                <a:picLocks noChangeAspect="1"/>
-              </p:cNvPicPr>
-              <p:nvPr/>
-            </p:nvPicPr>
-            <p:blipFill>
-              <a:blip r:embed="rId2">
-                <a:duotone>
-                  <a:prstClr val="black"/>
-                  <a:schemeClr val="tx2">
-                    <a:tint val="45000"/>
-                    <a:satMod val="400000"/>
-                  </a:schemeClr>
-                </a:duotone>
-                <a:extLst>
-                  <a:ext uri="{28A0092B-C50C-407E-A947-70E740481C1C}">
-                    <a14:useLocalDpi xmlns:a14="http://schemas.microsoft.com/office/drawing/2010/main" val="0"/>
-                  </a:ext>
-                </a:extLst>
-              </a:blip>
-              <a:stretch>
-                <a:fillRect/>
-              </a:stretch>
-            </p:blipFill>
-            <p:spPr>
-              <a:xfrm>
-                <a:off x="4523198" y="418091"/>
-                <a:ext cx="2307568" cy="1678232"/>
-              </a:xfrm>
-              <a:prstGeom prst="rect">
-                <a:avLst/>
-              </a:prstGeom>
-            </p:spPr>
-          </p:pic>
-          <p:sp>
-            <p:nvSpPr>
-              <p:cNvPr id="44" name="Rectangle: Rounded Corners 43">
-                <a:extLst>
-                  <a:ext uri="{FF2B5EF4-FFF2-40B4-BE49-F238E27FC236}">
-                    <a16:creationId xmlns:a16="http://schemas.microsoft.com/office/drawing/2014/main" id="{E977BBF1-3FBD-0016-9883-1EC603EEF178}"/>
-                  </a:ext>
-                </a:extLst>
-              </p:cNvPr>
-              <p:cNvSpPr/>
-              <p:nvPr/>
-            </p:nvSpPr>
-            <p:spPr>
-              <a:xfrm rot="5400000">
-                <a:off x="7933028" y="-782077"/>
-                <a:ext cx="846000" cy="4069386"/>
-              </a:xfrm>
-              <a:prstGeom prst="roundRect">
-                <a:avLst>
-                  <a:gd name="adj" fmla="val 3202"/>
-                </a:avLst>
-              </a:prstGeom>
-              <a:solidFill>
-                <a:srgbClr val="0EF258"/>
-              </a:solidFill>
-              <a:ln>
-                <a:noFill/>
-              </a:ln>
-            </p:spPr>
-            <p:style>
-              <a:lnRef idx="2">
-                <a:schemeClr val="accent1">
-                  <a:shade val="15000"/>
-                </a:schemeClr>
-              </a:lnRef>
-              <a:fillRef idx="1">
-                <a:schemeClr val="accent1"/>
-              </a:fillRef>
-              <a:effectRef idx="0">
-                <a:schemeClr val="accent1"/>
-              </a:effectRef>
-              <a:fontRef idx="minor">
-                <a:schemeClr val="lt1"/>
-              </a:fontRef>
-            </p:style>
-            <p:txBody>
-              <a:bodyPr rtlCol="0" anchor="ctr"/>
-              <a:lstStyle/>
-              <a:p>
-                <a:pPr algn="ctr"/>
-                <a:endParaRPr lang="en-IN" dirty="0"/>
-              </a:p>
-            </p:txBody>
-          </p:sp>
-          <p:sp>
-            <p:nvSpPr>
-              <p:cNvPr id="45" name="Rectangle: Rounded Corners 44">
-                <a:extLst>
-                  <a:ext uri="{FF2B5EF4-FFF2-40B4-BE49-F238E27FC236}">
-                    <a16:creationId xmlns:a16="http://schemas.microsoft.com/office/drawing/2014/main" id="{8947F1AE-6CC3-DE28-6944-17C2E81219E1}"/>
-                  </a:ext>
-                </a:extLst>
-              </p:cNvPr>
-              <p:cNvSpPr/>
-              <p:nvPr/>
-            </p:nvSpPr>
-            <p:spPr>
-              <a:xfrm>
-                <a:off x="6834334" y="316616"/>
-                <a:ext cx="846000" cy="1872000"/>
-              </a:xfrm>
-              <a:prstGeom prst="roundRect">
-                <a:avLst>
-                  <a:gd name="adj" fmla="val 3202"/>
-                </a:avLst>
-              </a:prstGeom>
-              <a:solidFill>
-                <a:srgbClr val="0EF258"/>
-              </a:solidFill>
-              <a:ln>
-                <a:noFill/>
-              </a:ln>
-            </p:spPr>
-            <p:style>
-              <a:lnRef idx="2">
-                <a:schemeClr val="accent1">
-                  <a:shade val="15000"/>
-                </a:schemeClr>
-              </a:lnRef>
-              <a:fillRef idx="1">
-                <a:schemeClr val="accent1"/>
-              </a:fillRef>
-              <a:effectRef idx="0">
-                <a:schemeClr val="accent1"/>
-              </a:effectRef>
-              <a:fontRef idx="minor">
-                <a:schemeClr val="lt1"/>
-              </a:fontRef>
-            </p:style>
-            <p:txBody>
-              <a:bodyPr rtlCol="0" anchor="ctr"/>
-              <a:lstStyle/>
-              <a:p>
-                <a:pPr algn="ctr"/>
-                <a:endParaRPr lang="en-IN" dirty="0"/>
-              </a:p>
-            </p:txBody>
-          </p:sp>
-          <p:sp>
-            <p:nvSpPr>
-              <p:cNvPr id="46" name="TextBox 45">
-                <a:extLst>
-                  <a:ext uri="{FF2B5EF4-FFF2-40B4-BE49-F238E27FC236}">
-                    <a16:creationId xmlns:a16="http://schemas.microsoft.com/office/drawing/2014/main" id="{5B0864F9-D0A0-290C-7957-45B777655CFD}"/>
-                  </a:ext>
-                </a:extLst>
-              </p:cNvPr>
-              <p:cNvSpPr txBox="1"/>
-              <p:nvPr/>
-            </p:nvSpPr>
-            <p:spPr>
-              <a:xfrm>
-                <a:off x="6830766" y="818443"/>
-                <a:ext cx="3559955" cy="830997"/>
-              </a:xfrm>
-              <a:prstGeom prst="rect">
-                <a:avLst/>
-              </a:prstGeom>
-              <a:noFill/>
-            </p:spPr>
-            <p:txBody>
-              <a:bodyPr wrap="square" rtlCol="0">
-                <a:spAutoFit/>
-              </a:bodyPr>
-              <a:lstStyle/>
-              <a:p>
-                <a:r>
-                  <a:rPr lang="en-US" sz="4800" dirty="0" err="1">
-                    <a:solidFill>
-                      <a:srgbClr val="51555B"/>
-                    </a:solidFill>
-                    <a:latin typeface="Xbka" pitchFamily="50" charset="0"/>
-                  </a:rPr>
-                  <a:t>TekMedika</a:t>
-                </a:r>
-                <a:endParaRPr lang="en-IN" sz="4000" dirty="0">
-                  <a:solidFill>
-                    <a:srgbClr val="51555B"/>
-                  </a:solidFill>
-                  <a:latin typeface="Xbka" pitchFamily="50" charset="0"/>
-                </a:endParaRPr>
-              </a:p>
-            </p:txBody>
-          </p:sp>
-        </p:grpSp>
-        <p:sp>
-          <p:nvSpPr>
-            <p:cNvPr id="47" name="Rectangle 46">
-              <a:extLst>
-                <a:ext uri="{FF2B5EF4-FFF2-40B4-BE49-F238E27FC236}">
-                  <a16:creationId xmlns:a16="http://schemas.microsoft.com/office/drawing/2014/main" id="{434BC1D3-F72F-0B71-DFF7-291D1CA228A9}"/>
-                </a:ext>
-              </a:extLst>
-            </p:cNvPr>
-            <p:cNvSpPr>
-              <a:spLocks noChangeAspect="1"/>
-            </p:cNvSpPr>
-            <p:nvPr/>
-          </p:nvSpPr>
-          <p:spPr>
-            <a:xfrm>
-              <a:off x="3032842" y="3258062"/>
-              <a:ext cx="6309566" cy="971053"/>
-            </a:xfrm>
-            <a:prstGeom prst="rect">
-              <a:avLst/>
-            </a:prstGeom>
-            <a:noFill/>
-            <a:ln w="28575">
-              <a:noFill/>
-            </a:ln>
-          </p:spPr>
-          <p:style>
-            <a:lnRef idx="2">
-              <a:schemeClr val="accent1">
-                <a:shade val="15000"/>
-              </a:schemeClr>
-            </a:lnRef>
-            <a:fillRef idx="1">
-              <a:schemeClr val="accent1"/>
-            </a:fillRef>
-            <a:effectRef idx="0">
-              <a:schemeClr val="accent1"/>
-            </a:effectRef>
-            <a:fontRef idx="minor">
-              <a:schemeClr val="lt1"/>
-            </a:fontRef>
-          </p:style>
-          <p:txBody>
-            <a:bodyPr rtlCol="0" anchor="ctr"/>
-            <a:lstStyle/>
-            <a:p>
-              <a:pPr algn="ctr"/>
-              <a:r>
-                <a:rPr lang="en-US" sz="3200" b="1" dirty="0">
-                  <a:solidFill>
-                    <a:schemeClr val="bg1"/>
-                  </a:solidFill>
-                  <a:effectLst>
-                    <a:outerShdw blurRad="38100" dist="38100" dir="2700000" algn="tl">
-                      <a:srgbClr val="000000">
-                        <a:alpha val="43137"/>
-                      </a:srgbClr>
-                    </a:outerShdw>
-                  </a:effectLst>
-                  <a:latin typeface="Yu Gothic UI Semibold" panose="020B0700000000000000" pitchFamily="34" charset="-128"/>
-                  <a:ea typeface="Yu Gothic UI Semibold" panose="020B0700000000000000" pitchFamily="34" charset="-128"/>
-                </a:rPr>
-                <a:t>INSPIRE-100 </a:t>
-              </a:r>
-              <a:r>
-                <a:rPr lang="en-US" sz="3600" dirty="0">
-                  <a:solidFill>
-                    <a:schemeClr val="bg1"/>
-                  </a:solidFill>
-                  <a:effectLst>
-                    <a:outerShdw blurRad="38100" dist="38100" dir="2700000" algn="tl">
-                      <a:srgbClr val="000000">
-                        <a:alpha val="43137"/>
-                      </a:srgbClr>
-                    </a:outerShdw>
-                  </a:effectLst>
-                  <a:latin typeface="Yu Gothic UI Semilight" panose="020B0400000000000000" pitchFamily="34" charset="-128"/>
-                  <a:ea typeface="Yu Gothic UI Semilight" panose="020B0400000000000000" pitchFamily="34" charset="-128"/>
-                </a:rPr>
-                <a:t>Update Firmware</a:t>
-              </a:r>
-              <a:endParaRPr lang="en-IN" sz="3600" dirty="0">
-                <a:solidFill>
-                  <a:schemeClr val="bg1"/>
-                </a:solidFill>
-                <a:effectLst>
-                  <a:outerShdw blurRad="38100" dist="38100" dir="2700000" algn="tl">
-                    <a:srgbClr val="000000">
-                      <a:alpha val="43137"/>
-                    </a:srgbClr>
-                  </a:outerShdw>
-                </a:effectLst>
-                <a:latin typeface="Yu Gothic UI Semilight" panose="020B0400000000000000" pitchFamily="34" charset="-128"/>
-                <a:ea typeface="Yu Gothic UI Semilight" panose="020B0400000000000000" pitchFamily="34" charset="-128"/>
-              </a:endParaRPr>
-            </a:p>
-          </p:txBody>
-        </p:sp>
-      </p:grpSp>
-      <p:grpSp>
-        <p:nvGrpSpPr>
-          <p:cNvPr id="2" name="Group 1">
-            <a:extLst>
-              <a:ext uri="{FF2B5EF4-FFF2-40B4-BE49-F238E27FC236}">
-                <a16:creationId xmlns:a16="http://schemas.microsoft.com/office/drawing/2014/main" id="{70BF1CD0-39DF-F290-D335-A404F74258F6}"/>
-              </a:ext>
-            </a:extLst>
-          </p:cNvPr>
-          <p:cNvGrpSpPr/>
-          <p:nvPr/>
-        </p:nvGrpSpPr>
-        <p:grpSpPr>
-          <a:xfrm>
-            <a:off x="2610148" y="198221"/>
-            <a:ext cx="6309566" cy="2809565"/>
-            <a:chOff x="3032842" y="3258062"/>
-            <a:chExt cx="6309566" cy="2809565"/>
-          </a:xfrm>
-        </p:grpSpPr>
-        <p:grpSp>
-          <p:nvGrpSpPr>
-            <p:cNvPr id="6" name="Group 5">
-              <a:extLst>
-                <a:ext uri="{FF2B5EF4-FFF2-40B4-BE49-F238E27FC236}">
-                  <a16:creationId xmlns:a16="http://schemas.microsoft.com/office/drawing/2014/main" id="{1D3DE391-2AE7-5889-3CD0-24EC900FCB41}"/>
-                </a:ext>
-              </a:extLst>
-            </p:cNvPr>
-            <p:cNvGrpSpPr/>
-            <p:nvPr/>
-          </p:nvGrpSpPr>
-          <p:grpSpPr>
-            <a:xfrm>
-              <a:off x="3162238" y="4195627"/>
-              <a:ext cx="5867523" cy="1872000"/>
-              <a:chOff x="4523198" y="316616"/>
-              <a:chExt cx="5867523" cy="1872000"/>
-            </a:xfrm>
-          </p:grpSpPr>
-          <p:pic>
-            <p:nvPicPr>
-              <p:cNvPr id="10" name="Picture 9">
-                <a:extLst>
-                  <a:ext uri="{FF2B5EF4-FFF2-40B4-BE49-F238E27FC236}">
-                    <a16:creationId xmlns:a16="http://schemas.microsoft.com/office/drawing/2014/main" id="{28790896-67D4-BBA6-453F-A2260FA50F3A}"/>
-                  </a:ext>
-                </a:extLst>
-              </p:cNvPr>
-              <p:cNvPicPr>
-                <a:picLocks noChangeAspect="1"/>
-              </p:cNvPicPr>
-              <p:nvPr/>
-            </p:nvPicPr>
-            <p:blipFill>
-              <a:blip r:embed="rId2">
-                <a:duotone>
-                  <a:prstClr val="black"/>
-                  <a:schemeClr val="tx2">
-                    <a:tint val="45000"/>
-                    <a:satMod val="400000"/>
-                  </a:schemeClr>
-                </a:duotone>
-                <a:extLst>
-                  <a:ext uri="{28A0092B-C50C-407E-A947-70E740481C1C}">
-                    <a14:useLocalDpi xmlns:a14="http://schemas.microsoft.com/office/drawing/2010/main" val="0"/>
-                  </a:ext>
-                </a:extLst>
-              </a:blip>
-              <a:stretch>
-                <a:fillRect/>
-              </a:stretch>
-            </p:blipFill>
-            <p:spPr>
-              <a:xfrm>
-                <a:off x="4523198" y="418091"/>
-                <a:ext cx="2307568" cy="1678232"/>
-              </a:xfrm>
-              <a:prstGeom prst="rect">
-                <a:avLst/>
-              </a:prstGeom>
-            </p:spPr>
-          </p:pic>
-          <p:sp>
-            <p:nvSpPr>
-              <p:cNvPr id="11" name="Rectangle: Rounded Corners 10">
-                <a:extLst>
-                  <a:ext uri="{FF2B5EF4-FFF2-40B4-BE49-F238E27FC236}">
-                    <a16:creationId xmlns:a16="http://schemas.microsoft.com/office/drawing/2014/main" id="{9301C14E-67CD-EDB3-5445-A3C3FD64E7AB}"/>
-                  </a:ext>
-                </a:extLst>
-              </p:cNvPr>
-              <p:cNvSpPr/>
-              <p:nvPr/>
-            </p:nvSpPr>
-            <p:spPr>
-              <a:xfrm rot="5400000">
-                <a:off x="7933028" y="-782077"/>
-                <a:ext cx="846000" cy="4069386"/>
-              </a:xfrm>
-              <a:prstGeom prst="roundRect">
-                <a:avLst>
-                  <a:gd name="adj" fmla="val 3202"/>
-                </a:avLst>
-              </a:prstGeom>
-              <a:solidFill>
-                <a:srgbClr val="0EF258"/>
-              </a:solidFill>
-              <a:ln>
-                <a:noFill/>
-              </a:ln>
-            </p:spPr>
-            <p:style>
-              <a:lnRef idx="2">
-                <a:schemeClr val="accent1">
-                  <a:shade val="15000"/>
-                </a:schemeClr>
-              </a:lnRef>
-              <a:fillRef idx="1">
-                <a:schemeClr val="accent1"/>
-              </a:fillRef>
-              <a:effectRef idx="0">
-                <a:schemeClr val="accent1"/>
-              </a:effectRef>
-              <a:fontRef idx="minor">
-                <a:schemeClr val="lt1"/>
-              </a:fontRef>
-            </p:style>
-            <p:txBody>
-              <a:bodyPr rtlCol="0" anchor="ctr"/>
-              <a:lstStyle/>
-              <a:p>
-                <a:pPr algn="ctr"/>
-                <a:endParaRPr lang="en-IN" dirty="0"/>
-              </a:p>
-            </p:txBody>
-          </p:sp>
-          <p:sp>
-            <p:nvSpPr>
-              <p:cNvPr id="12" name="Rectangle: Rounded Corners 11">
-                <a:extLst>
-                  <a:ext uri="{FF2B5EF4-FFF2-40B4-BE49-F238E27FC236}">
-                    <a16:creationId xmlns:a16="http://schemas.microsoft.com/office/drawing/2014/main" id="{B357751D-68B8-7230-7892-1C170B132D7F}"/>
-                  </a:ext>
-                </a:extLst>
-              </p:cNvPr>
-              <p:cNvSpPr/>
-              <p:nvPr/>
-            </p:nvSpPr>
-            <p:spPr>
-              <a:xfrm>
-                <a:off x="6834334" y="316616"/>
-                <a:ext cx="846000" cy="1872000"/>
-              </a:xfrm>
-              <a:prstGeom prst="roundRect">
-                <a:avLst>
-                  <a:gd name="adj" fmla="val 3202"/>
-                </a:avLst>
-              </a:prstGeom>
-              <a:solidFill>
-                <a:srgbClr val="0EF258"/>
-              </a:solidFill>
-              <a:ln>
-                <a:noFill/>
-              </a:ln>
-            </p:spPr>
-            <p:style>
-              <a:lnRef idx="2">
-                <a:schemeClr val="accent1">
-                  <a:shade val="15000"/>
-                </a:schemeClr>
-              </a:lnRef>
-              <a:fillRef idx="1">
-                <a:schemeClr val="accent1"/>
-              </a:fillRef>
-              <a:effectRef idx="0">
-                <a:schemeClr val="accent1"/>
-              </a:effectRef>
-              <a:fontRef idx="minor">
-                <a:schemeClr val="lt1"/>
-              </a:fontRef>
-            </p:style>
-            <p:txBody>
-              <a:bodyPr rtlCol="0" anchor="ctr"/>
-              <a:lstStyle/>
-              <a:p>
-                <a:pPr algn="ctr"/>
-                <a:endParaRPr lang="en-IN" dirty="0"/>
-              </a:p>
-            </p:txBody>
-          </p:sp>
-          <p:sp>
-            <p:nvSpPr>
-              <p:cNvPr id="13" name="TextBox 12">
-                <a:extLst>
-                  <a:ext uri="{FF2B5EF4-FFF2-40B4-BE49-F238E27FC236}">
-                    <a16:creationId xmlns:a16="http://schemas.microsoft.com/office/drawing/2014/main" id="{9543E6FA-7129-A61D-F2E8-454672B8D39F}"/>
-                  </a:ext>
-                </a:extLst>
-              </p:cNvPr>
-              <p:cNvSpPr txBox="1"/>
-              <p:nvPr/>
-            </p:nvSpPr>
-            <p:spPr>
-              <a:xfrm>
-                <a:off x="6830766" y="818443"/>
-                <a:ext cx="3559955" cy="830997"/>
-              </a:xfrm>
-              <a:prstGeom prst="rect">
-                <a:avLst/>
-              </a:prstGeom>
-              <a:noFill/>
-            </p:spPr>
-            <p:txBody>
-              <a:bodyPr wrap="square" rtlCol="0">
-                <a:spAutoFit/>
-              </a:bodyPr>
-              <a:lstStyle/>
-              <a:p>
-                <a:r>
-                  <a:rPr lang="en-US" sz="4800" dirty="0" err="1">
-                    <a:solidFill>
-                      <a:srgbClr val="51555B"/>
-                    </a:solidFill>
-                    <a:latin typeface="Xbka" pitchFamily="50" charset="0"/>
-                  </a:rPr>
-                  <a:t>TekMedika</a:t>
-                </a:r>
-                <a:endParaRPr lang="en-IN" sz="4000" dirty="0">
-                  <a:solidFill>
-                    <a:srgbClr val="51555B"/>
-                  </a:solidFill>
-                  <a:latin typeface="Xbka" pitchFamily="50" charset="0"/>
-                </a:endParaRPr>
-              </a:p>
-            </p:txBody>
-          </p:sp>
-        </p:grpSp>
         <p:sp>
           <p:nvSpPr>
             <p:cNvPr id="8" name="Rectangle 7">
@@ -8197,7 +7668,7 @@
           </p:nvSpPr>
           <p:spPr>
             <a:xfrm>
-              <a:off x="3032842" y="3258062"/>
+              <a:off x="2318897" y="215470"/>
               <a:ext cx="6309566" cy="971053"/>
             </a:xfrm>
             <a:prstGeom prst="rect">
@@ -8314,6 +7785,585 @@
             </a:p>
           </p:txBody>
         </p:sp>
+        <p:grpSp>
+          <p:nvGrpSpPr>
+            <p:cNvPr id="7" name="Group 6">
+              <a:extLst>
+                <a:ext uri="{FF2B5EF4-FFF2-40B4-BE49-F238E27FC236}">
+                  <a16:creationId xmlns:a16="http://schemas.microsoft.com/office/drawing/2014/main" id="{B79BC376-48CF-5273-D2F5-328D3BCE3EE4}"/>
+                </a:ext>
+              </a:extLst>
+            </p:cNvPr>
+            <p:cNvGrpSpPr/>
+            <p:nvPr/>
+          </p:nvGrpSpPr>
+          <p:grpSpPr>
+            <a:xfrm>
+              <a:off x="2739544" y="1135786"/>
+              <a:ext cx="5422436" cy="1872000"/>
+              <a:chOff x="2739544" y="1135786"/>
+              <a:chExt cx="5422436" cy="1872000"/>
+            </a:xfrm>
+          </p:grpSpPr>
+          <p:pic>
+            <p:nvPicPr>
+              <p:cNvPr id="10" name="Picture 9">
+                <a:extLst>
+                  <a:ext uri="{FF2B5EF4-FFF2-40B4-BE49-F238E27FC236}">
+                    <a16:creationId xmlns:a16="http://schemas.microsoft.com/office/drawing/2014/main" id="{28790896-67D4-BBA6-453F-A2260FA50F3A}"/>
+                  </a:ext>
+                </a:extLst>
+              </p:cNvPr>
+              <p:cNvPicPr>
+                <a:picLocks noChangeAspect="1"/>
+              </p:cNvPicPr>
+              <p:nvPr/>
+            </p:nvPicPr>
+            <p:blipFill>
+              <a:blip r:embed="rId2">
+                <a:duotone>
+                  <a:prstClr val="black"/>
+                  <a:schemeClr val="tx2">
+                    <a:tint val="45000"/>
+                    <a:satMod val="400000"/>
+                  </a:schemeClr>
+                </a:duotone>
+                <a:extLst>
+                  <a:ext uri="{28A0092B-C50C-407E-A947-70E740481C1C}">
+                    <a14:useLocalDpi xmlns:a14="http://schemas.microsoft.com/office/drawing/2010/main" val="0"/>
+                  </a:ext>
+                </a:extLst>
+              </a:blip>
+              <a:stretch>
+                <a:fillRect/>
+              </a:stretch>
+            </p:blipFill>
+            <p:spPr>
+              <a:xfrm>
+                <a:off x="2739544" y="1237261"/>
+                <a:ext cx="2307568" cy="1678232"/>
+              </a:xfrm>
+              <a:prstGeom prst="rect">
+                <a:avLst/>
+              </a:prstGeom>
+            </p:spPr>
+          </p:pic>
+          <p:sp>
+            <p:nvSpPr>
+              <p:cNvPr id="12" name="Rectangle: Rounded Corners 11">
+                <a:extLst>
+                  <a:ext uri="{FF2B5EF4-FFF2-40B4-BE49-F238E27FC236}">
+                    <a16:creationId xmlns:a16="http://schemas.microsoft.com/office/drawing/2014/main" id="{B357751D-68B8-7230-7892-1C170B132D7F}"/>
+                  </a:ext>
+                </a:extLst>
+              </p:cNvPr>
+              <p:cNvSpPr/>
+              <p:nvPr/>
+            </p:nvSpPr>
+            <p:spPr>
+              <a:xfrm>
+                <a:off x="5050680" y="1135786"/>
+                <a:ext cx="846000" cy="1872000"/>
+              </a:xfrm>
+              <a:prstGeom prst="roundRect">
+                <a:avLst>
+                  <a:gd name="adj" fmla="val 3202"/>
+                </a:avLst>
+              </a:prstGeom>
+              <a:solidFill>
+                <a:srgbClr val="0EF258"/>
+              </a:solidFill>
+              <a:ln>
+                <a:noFill/>
+              </a:ln>
+            </p:spPr>
+            <p:style>
+              <a:lnRef idx="2">
+                <a:schemeClr val="accent1">
+                  <a:shade val="15000"/>
+                </a:schemeClr>
+              </a:lnRef>
+              <a:fillRef idx="1">
+                <a:schemeClr val="accent1"/>
+              </a:fillRef>
+              <a:effectRef idx="0">
+                <a:schemeClr val="accent1"/>
+              </a:effectRef>
+              <a:fontRef idx="minor">
+                <a:schemeClr val="lt1"/>
+              </a:fontRef>
+            </p:style>
+            <p:txBody>
+              <a:bodyPr rtlCol="0" anchor="ctr"/>
+              <a:lstStyle/>
+              <a:p>
+                <a:pPr algn="ctr"/>
+                <a:endParaRPr lang="en-IN" dirty="0"/>
+              </a:p>
+            </p:txBody>
+          </p:sp>
+          <p:grpSp>
+            <p:nvGrpSpPr>
+              <p:cNvPr id="3" name="Group 2">
+                <a:extLst>
+                  <a:ext uri="{FF2B5EF4-FFF2-40B4-BE49-F238E27FC236}">
+                    <a16:creationId xmlns:a16="http://schemas.microsoft.com/office/drawing/2014/main" id="{696A3689-4CD1-6605-F29A-A7C97340701D}"/>
+                  </a:ext>
+                </a:extLst>
+              </p:cNvPr>
+              <p:cNvGrpSpPr/>
+              <p:nvPr/>
+            </p:nvGrpSpPr>
+            <p:grpSpPr>
+              <a:xfrm>
+                <a:off x="4537681" y="1659943"/>
+                <a:ext cx="3624299" cy="857173"/>
+                <a:chOff x="4691564" y="1241652"/>
+                <a:chExt cx="3624299" cy="857173"/>
+              </a:xfrm>
+            </p:grpSpPr>
+            <p:sp>
+              <p:nvSpPr>
+                <p:cNvPr id="4" name="Rectangle: Rounded Corners 3">
+                  <a:extLst>
+                    <a:ext uri="{FF2B5EF4-FFF2-40B4-BE49-F238E27FC236}">
+                      <a16:creationId xmlns:a16="http://schemas.microsoft.com/office/drawing/2014/main" id="{FA64AB33-B506-CE1E-78C2-823177462293}"/>
+                    </a:ext>
+                  </a:extLst>
+                </p:cNvPr>
+                <p:cNvSpPr/>
+                <p:nvPr/>
+              </p:nvSpPr>
+              <p:spPr>
+                <a:xfrm rot="5400000">
+                  <a:off x="6080714" y="-136325"/>
+                  <a:ext cx="846000" cy="3624299"/>
+                </a:xfrm>
+                <a:prstGeom prst="roundRect">
+                  <a:avLst>
+                    <a:gd name="adj" fmla="val 3202"/>
+                  </a:avLst>
+                </a:prstGeom>
+                <a:solidFill>
+                  <a:srgbClr val="0EF258"/>
+                </a:solidFill>
+                <a:ln>
+                  <a:noFill/>
+                </a:ln>
+              </p:spPr>
+              <p:style>
+                <a:lnRef idx="2">
+                  <a:schemeClr val="accent1">
+                    <a:shade val="15000"/>
+                  </a:schemeClr>
+                </a:lnRef>
+                <a:fillRef idx="1">
+                  <a:schemeClr val="accent1"/>
+                </a:fillRef>
+                <a:effectRef idx="0">
+                  <a:schemeClr val="accent1"/>
+                </a:effectRef>
+                <a:fontRef idx="minor">
+                  <a:schemeClr val="lt1"/>
+                </a:fontRef>
+              </p:style>
+              <p:txBody>
+                <a:bodyPr rtlCol="0" anchor="ctr"/>
+                <a:lstStyle/>
+                <a:p>
+                  <a:pPr algn="ctr"/>
+                  <a:endParaRPr lang="en-IN" dirty="0"/>
+                </a:p>
+              </p:txBody>
+            </p:sp>
+            <p:sp>
+              <p:nvSpPr>
+                <p:cNvPr id="5" name="TextBox 4">
+                  <a:extLst>
+                    <a:ext uri="{FF2B5EF4-FFF2-40B4-BE49-F238E27FC236}">
+                      <a16:creationId xmlns:a16="http://schemas.microsoft.com/office/drawing/2014/main" id="{83C55CFE-1D55-8CC6-9487-187437A94AB1}"/>
+                    </a:ext>
+                  </a:extLst>
+                </p:cNvPr>
+                <p:cNvSpPr txBox="1"/>
+                <p:nvPr/>
+              </p:nvSpPr>
+              <p:spPr>
+                <a:xfrm>
+                  <a:off x="4691564" y="1241652"/>
+                  <a:ext cx="3624299" cy="830997"/>
+                </a:xfrm>
+                <a:prstGeom prst="rect">
+                  <a:avLst/>
+                </a:prstGeom>
+                <a:noFill/>
+              </p:spPr>
+              <p:txBody>
+                <a:bodyPr wrap="square" rtlCol="0">
+                  <a:spAutoFit/>
+                </a:bodyPr>
+                <a:lstStyle/>
+                <a:p>
+                  <a:pPr algn="ctr"/>
+                  <a:r>
+                    <a:rPr lang="en-US" sz="4800" dirty="0" err="1">
+                      <a:solidFill>
+                        <a:srgbClr val="51555B"/>
+                      </a:solidFill>
+                      <a:latin typeface="Xbka" pitchFamily="50" charset="0"/>
+                    </a:rPr>
+                    <a:t>TekMedika</a:t>
+                  </a:r>
+                  <a:endParaRPr lang="en-IN" sz="4000" dirty="0">
+                    <a:solidFill>
+                      <a:srgbClr val="51555B"/>
+                    </a:solidFill>
+                    <a:latin typeface="Xbka" pitchFamily="50" charset="0"/>
+                  </a:endParaRPr>
+                </a:p>
+              </p:txBody>
+            </p:sp>
+          </p:grpSp>
+        </p:grpSp>
+      </p:grpSp>
+      <p:grpSp>
+        <p:nvGrpSpPr>
+          <p:cNvPr id="16" name="Group 15">
+            <a:extLst>
+              <a:ext uri="{FF2B5EF4-FFF2-40B4-BE49-F238E27FC236}">
+                <a16:creationId xmlns:a16="http://schemas.microsoft.com/office/drawing/2014/main" id="{9BBC1F9A-C5C0-3B56-68C0-02FC04B652F5}"/>
+              </a:ext>
+            </a:extLst>
+          </p:cNvPr>
+          <p:cNvGrpSpPr/>
+          <p:nvPr/>
+        </p:nvGrpSpPr>
+        <p:grpSpPr>
+          <a:xfrm>
+            <a:off x="2394487" y="3572867"/>
+            <a:ext cx="6309566" cy="2815989"/>
+            <a:chOff x="2394487" y="3572867"/>
+            <a:chExt cx="6309566" cy="2815989"/>
+          </a:xfrm>
+        </p:grpSpPr>
+        <p:pic>
+          <p:nvPicPr>
+            <p:cNvPr id="43" name="Picture 42">
+              <a:extLst>
+                <a:ext uri="{FF2B5EF4-FFF2-40B4-BE49-F238E27FC236}">
+                  <a16:creationId xmlns:a16="http://schemas.microsoft.com/office/drawing/2014/main" id="{FEF61146-90CE-D595-EDBF-1EE4FFDA38C6}"/>
+                </a:ext>
+              </a:extLst>
+            </p:cNvPr>
+            <p:cNvPicPr>
+              <a:picLocks noChangeAspect="1"/>
+            </p:cNvPicPr>
+            <p:nvPr/>
+          </p:nvPicPr>
+          <p:blipFill>
+            <a:blip r:embed="rId2">
+              <a:duotone>
+                <a:prstClr val="black"/>
+                <a:schemeClr val="tx2">
+                  <a:tint val="45000"/>
+                  <a:satMod val="400000"/>
+                </a:schemeClr>
+              </a:duotone>
+              <a:extLst>
+                <a:ext uri="{28A0092B-C50C-407E-A947-70E740481C1C}">
+                  <a14:useLocalDpi xmlns:a14="http://schemas.microsoft.com/office/drawing/2010/main" val="0"/>
+                </a:ext>
+              </a:extLst>
+            </a:blip>
+            <a:stretch>
+              <a:fillRect/>
+            </a:stretch>
+          </p:blipFill>
+          <p:spPr>
+            <a:xfrm>
+              <a:off x="2739544" y="4618331"/>
+              <a:ext cx="2307568" cy="1678232"/>
+            </a:xfrm>
+            <a:prstGeom prst="rect">
+              <a:avLst/>
+            </a:prstGeom>
+          </p:spPr>
+        </p:pic>
+        <p:sp>
+          <p:nvSpPr>
+            <p:cNvPr id="45" name="Rectangle: Rounded Corners 44">
+              <a:extLst>
+                <a:ext uri="{FF2B5EF4-FFF2-40B4-BE49-F238E27FC236}">
+                  <a16:creationId xmlns:a16="http://schemas.microsoft.com/office/drawing/2014/main" id="{8947F1AE-6CC3-DE28-6944-17C2E81219E1}"/>
+                </a:ext>
+              </a:extLst>
+            </p:cNvPr>
+            <p:cNvSpPr/>
+            <p:nvPr/>
+          </p:nvSpPr>
+          <p:spPr>
+            <a:xfrm>
+              <a:off x="5050680" y="4516856"/>
+              <a:ext cx="846000" cy="1872000"/>
+            </a:xfrm>
+            <a:prstGeom prst="roundRect">
+              <a:avLst>
+                <a:gd name="adj" fmla="val 3202"/>
+              </a:avLst>
+            </a:prstGeom>
+            <a:solidFill>
+              <a:srgbClr val="0EF258"/>
+            </a:solidFill>
+            <a:ln>
+              <a:noFill/>
+            </a:ln>
+          </p:spPr>
+          <p:style>
+            <a:lnRef idx="2">
+              <a:schemeClr val="accent1">
+                <a:shade val="15000"/>
+              </a:schemeClr>
+            </a:lnRef>
+            <a:fillRef idx="1">
+              <a:schemeClr val="accent1"/>
+            </a:fillRef>
+            <a:effectRef idx="0">
+              <a:schemeClr val="accent1"/>
+            </a:effectRef>
+            <a:fontRef idx="minor">
+              <a:schemeClr val="lt1"/>
+            </a:fontRef>
+          </p:style>
+          <p:txBody>
+            <a:bodyPr rtlCol="0" anchor="ctr"/>
+            <a:lstStyle/>
+            <a:p>
+              <a:pPr algn="ctr"/>
+              <a:endParaRPr lang="en-IN" dirty="0"/>
+            </a:p>
+          </p:txBody>
+        </p:sp>
+        <p:sp>
+          <p:nvSpPr>
+            <p:cNvPr id="47" name="Rectangle 46">
+              <a:extLst>
+                <a:ext uri="{FF2B5EF4-FFF2-40B4-BE49-F238E27FC236}">
+                  <a16:creationId xmlns:a16="http://schemas.microsoft.com/office/drawing/2014/main" id="{434BC1D3-F72F-0B71-DFF7-291D1CA228A9}"/>
+                </a:ext>
+              </a:extLst>
+            </p:cNvPr>
+            <p:cNvSpPr>
+              <a:spLocks noChangeAspect="1"/>
+            </p:cNvSpPr>
+            <p:nvPr/>
+          </p:nvSpPr>
+          <p:spPr>
+            <a:xfrm>
+              <a:off x="2394487" y="3572867"/>
+              <a:ext cx="6309566" cy="971053"/>
+            </a:xfrm>
+            <a:prstGeom prst="rect">
+              <a:avLst/>
+            </a:prstGeom>
+            <a:noFill/>
+            <a:ln w="28575">
+              <a:noFill/>
+            </a:ln>
+          </p:spPr>
+          <p:style>
+            <a:lnRef idx="2">
+              <a:schemeClr val="accent1">
+                <a:shade val="15000"/>
+              </a:schemeClr>
+            </a:lnRef>
+            <a:fillRef idx="1">
+              <a:schemeClr val="accent1"/>
+            </a:fillRef>
+            <a:effectRef idx="0">
+              <a:schemeClr val="accent1"/>
+            </a:effectRef>
+            <a:fontRef idx="minor">
+              <a:schemeClr val="lt1"/>
+            </a:fontRef>
+          </p:style>
+          <p:txBody>
+            <a:bodyPr rtlCol="0" anchor="ctr"/>
+            <a:lstStyle/>
+            <a:p>
+              <a:pPr algn="ctr"/>
+              <a:r>
+                <a:rPr lang="en-US" sz="3200" b="1" dirty="0">
+                  <a:solidFill>
+                    <a:schemeClr val="bg1"/>
+                  </a:solidFill>
+                  <a:effectLst>
+                    <a:outerShdw blurRad="38100" dist="38100" dir="2700000" algn="tl">
+                      <a:srgbClr val="000000">
+                        <a:alpha val="43137"/>
+                      </a:srgbClr>
+                    </a:outerShdw>
+                  </a:effectLst>
+                  <a:latin typeface="Yu Gothic UI Semibold" panose="020B0700000000000000" pitchFamily="34" charset="-128"/>
+                  <a:ea typeface="Yu Gothic UI Semibold" panose="020B0700000000000000" pitchFamily="34" charset="-128"/>
+                </a:rPr>
+                <a:t>INSPIRE-100 </a:t>
+              </a:r>
+              <a:r>
+                <a:rPr lang="en-US" sz="3600" dirty="0">
+                  <a:solidFill>
+                    <a:schemeClr val="bg1"/>
+                  </a:solidFill>
+                  <a:effectLst>
+                    <a:outerShdw blurRad="38100" dist="38100" dir="2700000" algn="tl">
+                      <a:srgbClr val="000000">
+                        <a:alpha val="43137"/>
+                      </a:srgbClr>
+                    </a:outerShdw>
+                  </a:effectLst>
+                  <a:latin typeface="Yu Gothic UI Semilight" panose="020B0400000000000000" pitchFamily="34" charset="-128"/>
+                  <a:ea typeface="Yu Gothic UI Semilight" panose="020B0400000000000000" pitchFamily="34" charset="-128"/>
+                </a:rPr>
+                <a:t>Update Firmware</a:t>
+              </a:r>
+              <a:endParaRPr lang="en-IN" sz="3600" dirty="0">
+                <a:solidFill>
+                  <a:schemeClr val="bg1"/>
+                </a:solidFill>
+                <a:effectLst>
+                  <a:outerShdw blurRad="38100" dist="38100" dir="2700000" algn="tl">
+                    <a:srgbClr val="000000">
+                      <a:alpha val="43137"/>
+                    </a:srgbClr>
+                  </a:outerShdw>
+                </a:effectLst>
+                <a:latin typeface="Yu Gothic UI Semilight" panose="020B0400000000000000" pitchFamily="34" charset="-128"/>
+                <a:ea typeface="Yu Gothic UI Semilight" panose="020B0400000000000000" pitchFamily="34" charset="-128"/>
+              </a:endParaRPr>
+            </a:p>
+          </p:txBody>
+        </p:sp>
+        <p:grpSp>
+          <p:nvGrpSpPr>
+            <p:cNvPr id="9" name="Group 8">
+              <a:extLst>
+                <a:ext uri="{FF2B5EF4-FFF2-40B4-BE49-F238E27FC236}">
+                  <a16:creationId xmlns:a16="http://schemas.microsoft.com/office/drawing/2014/main" id="{971F0615-C2F8-8D8A-A175-0863D78ED467}"/>
+                </a:ext>
+              </a:extLst>
+            </p:cNvPr>
+            <p:cNvGrpSpPr/>
+            <p:nvPr/>
+          </p:nvGrpSpPr>
+          <p:grpSpPr>
+            <a:xfrm>
+              <a:off x="4537680" y="5041013"/>
+              <a:ext cx="3624299" cy="857173"/>
+              <a:chOff x="4691564" y="1241652"/>
+              <a:chExt cx="3624299" cy="857173"/>
+            </a:xfrm>
+          </p:grpSpPr>
+          <p:sp>
+            <p:nvSpPr>
+              <p:cNvPr id="14" name="Rectangle: Rounded Corners 13">
+                <a:extLst>
+                  <a:ext uri="{FF2B5EF4-FFF2-40B4-BE49-F238E27FC236}">
+                    <a16:creationId xmlns:a16="http://schemas.microsoft.com/office/drawing/2014/main" id="{164F4C90-729F-7582-209C-210371C0057A}"/>
+                  </a:ext>
+                </a:extLst>
+              </p:cNvPr>
+              <p:cNvSpPr/>
+              <p:nvPr/>
+            </p:nvSpPr>
+            <p:spPr>
+              <a:xfrm rot="5400000">
+                <a:off x="6080714" y="-136325"/>
+                <a:ext cx="846000" cy="3624299"/>
+              </a:xfrm>
+              <a:prstGeom prst="roundRect">
+                <a:avLst>
+                  <a:gd name="adj" fmla="val 3202"/>
+                </a:avLst>
+              </a:prstGeom>
+              <a:solidFill>
+                <a:srgbClr val="0EF258"/>
+              </a:solidFill>
+              <a:ln>
+                <a:noFill/>
+              </a:ln>
+            </p:spPr>
+            <p:style>
+              <a:lnRef idx="2">
+                <a:schemeClr val="accent1">
+                  <a:shade val="15000"/>
+                </a:schemeClr>
+              </a:lnRef>
+              <a:fillRef idx="1">
+                <a:schemeClr val="accent1"/>
+              </a:fillRef>
+              <a:effectRef idx="0">
+                <a:schemeClr val="accent1"/>
+              </a:effectRef>
+              <a:fontRef idx="minor">
+                <a:schemeClr val="lt1"/>
+              </a:fontRef>
+            </p:style>
+            <p:txBody>
+              <a:bodyPr rtlCol="0" anchor="ctr"/>
+              <a:lstStyle/>
+              <a:p>
+                <a:pPr algn="ctr"/>
+                <a:endParaRPr lang="en-IN" dirty="0"/>
+              </a:p>
+            </p:txBody>
+          </p:sp>
+          <p:sp>
+            <p:nvSpPr>
+              <p:cNvPr id="15" name="TextBox 14">
+                <a:extLst>
+                  <a:ext uri="{FF2B5EF4-FFF2-40B4-BE49-F238E27FC236}">
+                    <a16:creationId xmlns:a16="http://schemas.microsoft.com/office/drawing/2014/main" id="{3CBB682F-E2F7-19FB-23AC-DC9F455D679C}"/>
+                  </a:ext>
+                </a:extLst>
+              </p:cNvPr>
+              <p:cNvSpPr txBox="1"/>
+              <p:nvPr/>
+            </p:nvSpPr>
+            <p:spPr>
+              <a:xfrm>
+                <a:off x="4691564" y="1241652"/>
+                <a:ext cx="3624299" cy="830997"/>
+              </a:xfrm>
+              <a:prstGeom prst="rect">
+                <a:avLst/>
+              </a:prstGeom>
+              <a:noFill/>
+            </p:spPr>
+            <p:txBody>
+              <a:bodyPr wrap="square" rtlCol="0">
+                <a:spAutoFit/>
+              </a:bodyPr>
+              <a:lstStyle/>
+              <a:p>
+                <a:pPr algn="ctr"/>
+                <a:r>
+                  <a:rPr lang="en-US" sz="4800" dirty="0" err="1">
+                    <a:solidFill>
+                      <a:srgbClr val="51555B"/>
+                    </a:solidFill>
+                    <a:latin typeface="Xbka" pitchFamily="50" charset="0"/>
+                  </a:rPr>
+                  <a:t>TekMedika</a:t>
+                </a:r>
+                <a:endParaRPr lang="en-IN" sz="4000" dirty="0">
+                  <a:solidFill>
+                    <a:srgbClr val="51555B"/>
+                  </a:solidFill>
+                  <a:latin typeface="Xbka" pitchFamily="50" charset="0"/>
+                </a:endParaRPr>
+              </a:p>
+            </p:txBody>
+          </p:sp>
+        </p:grpSp>
       </p:grpSp>
     </p:spTree>
     <p:extLst>
